--- a/Presentation1.pptx
+++ b/Presentation1.pptx
@@ -6,6 +6,7 @@
   </p:sldMasterIdLst>
   <p:sldIdLst>
     <p:sldId id="256" r:id="rId2"/>
+    <p:sldId id="257" r:id="rId3"/>
   </p:sldIdLst>
   <p:sldSz cx="12192000" cy="6858000"/>
   <p:notesSz cx="6858000" cy="9144000"/>
@@ -129,7 +130,7 @@
           <p:cNvPr id="2" name="Title 1">
             <a:extLst>
               <a:ext uri="{FF2B5EF4-FFF2-40B4-BE49-F238E27FC236}">
-                <a16:creationId xmlns:a16="http://schemas.microsoft.com/office/drawing/2014/main" id="{9EB183A2-4E11-F67D-205C-CC5ADF25C4F5}"/>
+                <a16:creationId xmlns:a16="http://schemas.microsoft.com/office/drawing/2014/main" xmlns="" id="{9EB183A2-4E11-F67D-205C-CC5ADF25C4F5}"/>
               </a:ext>
             </a:extLst>
           </p:cNvPr>
@@ -166,7 +167,7 @@
           <p:cNvPr id="3" name="Subtitle 2">
             <a:extLst>
               <a:ext uri="{FF2B5EF4-FFF2-40B4-BE49-F238E27FC236}">
-                <a16:creationId xmlns:a16="http://schemas.microsoft.com/office/drawing/2014/main" id="{35DBD675-7A56-8F97-B016-3020027EB345}"/>
+                <a16:creationId xmlns:a16="http://schemas.microsoft.com/office/drawing/2014/main" xmlns="" id="{35DBD675-7A56-8F97-B016-3020027EB345}"/>
               </a:ext>
             </a:extLst>
           </p:cNvPr>
@@ -236,7 +237,7 @@
           <p:cNvPr id="4" name="Date Placeholder 3">
             <a:extLst>
               <a:ext uri="{FF2B5EF4-FFF2-40B4-BE49-F238E27FC236}">
-                <a16:creationId xmlns:a16="http://schemas.microsoft.com/office/drawing/2014/main" id="{91042889-51D6-96E5-6FE4-851F61BD2405}"/>
+                <a16:creationId xmlns:a16="http://schemas.microsoft.com/office/drawing/2014/main" xmlns="" id="{91042889-51D6-96E5-6FE4-851F61BD2405}"/>
               </a:ext>
             </a:extLst>
           </p:cNvPr>
@@ -254,6 +255,7 @@
           <a:p>
             <a:fld id="{6130A597-3FC2-40BC-90E4-45272B4FD30A}" type="datetimeFigureOut">
               <a:rPr lang="en-US" smtClean="0"/>
+              <a:pPr/>
               <a:t>6/9/2023</a:t>
             </a:fld>
             <a:endParaRPr lang="en-US"/>
@@ -265,7 +267,7 @@
           <p:cNvPr id="5" name="Footer Placeholder 4">
             <a:extLst>
               <a:ext uri="{FF2B5EF4-FFF2-40B4-BE49-F238E27FC236}">
-                <a16:creationId xmlns:a16="http://schemas.microsoft.com/office/drawing/2014/main" id="{AC026C5B-6368-8D77-5C00-5397A29C8783}"/>
+                <a16:creationId xmlns:a16="http://schemas.microsoft.com/office/drawing/2014/main" xmlns="" id="{AC026C5B-6368-8D77-5C00-5397A29C8783}"/>
               </a:ext>
             </a:extLst>
           </p:cNvPr>
@@ -290,7 +292,7 @@
           <p:cNvPr id="6" name="Slide Number Placeholder 5">
             <a:extLst>
               <a:ext uri="{FF2B5EF4-FFF2-40B4-BE49-F238E27FC236}">
-                <a16:creationId xmlns:a16="http://schemas.microsoft.com/office/drawing/2014/main" id="{4770D0F8-8558-AE36-66DD-D8DF602909E6}"/>
+                <a16:creationId xmlns:a16="http://schemas.microsoft.com/office/drawing/2014/main" xmlns="" id="{4770D0F8-8558-AE36-66DD-D8DF602909E6}"/>
               </a:ext>
             </a:extLst>
           </p:cNvPr>
@@ -308,6 +310,7 @@
           <a:p>
             <a:fld id="{5A67D6BD-999F-422A-8CE5-B14A89CBDFF1}" type="slidenum">
               <a:rPr lang="en-US" smtClean="0"/>
+              <a:pPr/>
               <a:t>‹#›</a:t>
             </a:fld>
             <a:endParaRPr lang="en-US"/>
@@ -317,7 +320,7 @@
     </p:spTree>
     <p:extLst>
       <p:ext uri="{BB962C8B-B14F-4D97-AF65-F5344CB8AC3E}">
-        <p14:creationId xmlns:p14="http://schemas.microsoft.com/office/powerpoint/2010/main" val="3934828480"/>
+        <p14:creationId xmlns:p14="http://schemas.microsoft.com/office/powerpoint/2010/main" xmlns="" val="3934828480"/>
       </p:ext>
     </p:extLst>
   </p:cSld>
@@ -349,7 +352,7 @@
           <p:cNvPr id="2" name="Title 1">
             <a:extLst>
               <a:ext uri="{FF2B5EF4-FFF2-40B4-BE49-F238E27FC236}">
-                <a16:creationId xmlns:a16="http://schemas.microsoft.com/office/drawing/2014/main" id="{8839F2FE-1C72-A96F-01BC-E68DE741A215}"/>
+                <a16:creationId xmlns:a16="http://schemas.microsoft.com/office/drawing/2014/main" xmlns="" id="{8839F2FE-1C72-A96F-01BC-E68DE741A215}"/>
               </a:ext>
             </a:extLst>
           </p:cNvPr>
@@ -377,7 +380,7 @@
           <p:cNvPr id="3" name="Vertical Text Placeholder 2">
             <a:extLst>
               <a:ext uri="{FF2B5EF4-FFF2-40B4-BE49-F238E27FC236}">
-                <a16:creationId xmlns:a16="http://schemas.microsoft.com/office/drawing/2014/main" id="{2B54A1D5-5836-38B2-1271-0F14E0D9FDFB}"/>
+                <a16:creationId xmlns:a16="http://schemas.microsoft.com/office/drawing/2014/main" xmlns="" id="{2B54A1D5-5836-38B2-1271-0F14E0D9FDFB}"/>
               </a:ext>
             </a:extLst>
           </p:cNvPr>
@@ -434,7 +437,7 @@
           <p:cNvPr id="4" name="Date Placeholder 3">
             <a:extLst>
               <a:ext uri="{FF2B5EF4-FFF2-40B4-BE49-F238E27FC236}">
-                <a16:creationId xmlns:a16="http://schemas.microsoft.com/office/drawing/2014/main" id="{02C08104-7F8F-7044-9348-E74C56372F59}"/>
+                <a16:creationId xmlns:a16="http://schemas.microsoft.com/office/drawing/2014/main" xmlns="" id="{02C08104-7F8F-7044-9348-E74C56372F59}"/>
               </a:ext>
             </a:extLst>
           </p:cNvPr>
@@ -452,6 +455,7 @@
           <a:p>
             <a:fld id="{6130A597-3FC2-40BC-90E4-45272B4FD30A}" type="datetimeFigureOut">
               <a:rPr lang="en-US" smtClean="0"/>
+              <a:pPr/>
               <a:t>6/9/2023</a:t>
             </a:fld>
             <a:endParaRPr lang="en-US"/>
@@ -463,7 +467,7 @@
           <p:cNvPr id="5" name="Footer Placeholder 4">
             <a:extLst>
               <a:ext uri="{FF2B5EF4-FFF2-40B4-BE49-F238E27FC236}">
-                <a16:creationId xmlns:a16="http://schemas.microsoft.com/office/drawing/2014/main" id="{61CADDD6-FF59-0C84-E3E7-95946360CE34}"/>
+                <a16:creationId xmlns:a16="http://schemas.microsoft.com/office/drawing/2014/main" xmlns="" id="{61CADDD6-FF59-0C84-E3E7-95946360CE34}"/>
               </a:ext>
             </a:extLst>
           </p:cNvPr>
@@ -488,7 +492,7 @@
           <p:cNvPr id="6" name="Slide Number Placeholder 5">
             <a:extLst>
               <a:ext uri="{FF2B5EF4-FFF2-40B4-BE49-F238E27FC236}">
-                <a16:creationId xmlns:a16="http://schemas.microsoft.com/office/drawing/2014/main" id="{931A5A20-F8E3-DA2A-3021-6DD5833EE210}"/>
+                <a16:creationId xmlns:a16="http://schemas.microsoft.com/office/drawing/2014/main" xmlns="" id="{931A5A20-F8E3-DA2A-3021-6DD5833EE210}"/>
               </a:ext>
             </a:extLst>
           </p:cNvPr>
@@ -506,6 +510,7 @@
           <a:p>
             <a:fld id="{5A67D6BD-999F-422A-8CE5-B14A89CBDFF1}" type="slidenum">
               <a:rPr lang="en-US" smtClean="0"/>
+              <a:pPr/>
               <a:t>‹#›</a:t>
             </a:fld>
             <a:endParaRPr lang="en-US"/>
@@ -515,7 +520,7 @@
     </p:spTree>
     <p:extLst>
       <p:ext uri="{BB962C8B-B14F-4D97-AF65-F5344CB8AC3E}">
-        <p14:creationId xmlns:p14="http://schemas.microsoft.com/office/powerpoint/2010/main" val="689151028"/>
+        <p14:creationId xmlns:p14="http://schemas.microsoft.com/office/powerpoint/2010/main" xmlns="" val="689151028"/>
       </p:ext>
     </p:extLst>
   </p:cSld>
@@ -547,7 +552,7 @@
           <p:cNvPr id="2" name="Vertical Title 1">
             <a:extLst>
               <a:ext uri="{FF2B5EF4-FFF2-40B4-BE49-F238E27FC236}">
-                <a16:creationId xmlns:a16="http://schemas.microsoft.com/office/drawing/2014/main" id="{B39FA1C1-CF24-ED37-B8FC-EAED5BE1BB63}"/>
+                <a16:creationId xmlns:a16="http://schemas.microsoft.com/office/drawing/2014/main" xmlns="" id="{B39FA1C1-CF24-ED37-B8FC-EAED5BE1BB63}"/>
               </a:ext>
             </a:extLst>
           </p:cNvPr>
@@ -580,7 +585,7 @@
           <p:cNvPr id="3" name="Vertical Text Placeholder 2">
             <a:extLst>
               <a:ext uri="{FF2B5EF4-FFF2-40B4-BE49-F238E27FC236}">
-                <a16:creationId xmlns:a16="http://schemas.microsoft.com/office/drawing/2014/main" id="{C64E2F2C-CF83-1D3E-5C30-FC7F6BF0AF16}"/>
+                <a16:creationId xmlns:a16="http://schemas.microsoft.com/office/drawing/2014/main" xmlns="" id="{C64E2F2C-CF83-1D3E-5C30-FC7F6BF0AF16}"/>
               </a:ext>
             </a:extLst>
           </p:cNvPr>
@@ -642,7 +647,7 @@
           <p:cNvPr id="4" name="Date Placeholder 3">
             <a:extLst>
               <a:ext uri="{FF2B5EF4-FFF2-40B4-BE49-F238E27FC236}">
-                <a16:creationId xmlns:a16="http://schemas.microsoft.com/office/drawing/2014/main" id="{F5F76396-399F-633F-9EBC-2A4A7DA2B5F3}"/>
+                <a16:creationId xmlns:a16="http://schemas.microsoft.com/office/drawing/2014/main" xmlns="" id="{F5F76396-399F-633F-9EBC-2A4A7DA2B5F3}"/>
               </a:ext>
             </a:extLst>
           </p:cNvPr>
@@ -660,6 +665,7 @@
           <a:p>
             <a:fld id="{6130A597-3FC2-40BC-90E4-45272B4FD30A}" type="datetimeFigureOut">
               <a:rPr lang="en-US" smtClean="0"/>
+              <a:pPr/>
               <a:t>6/9/2023</a:t>
             </a:fld>
             <a:endParaRPr lang="en-US"/>
@@ -671,7 +677,7 @@
           <p:cNvPr id="5" name="Footer Placeholder 4">
             <a:extLst>
               <a:ext uri="{FF2B5EF4-FFF2-40B4-BE49-F238E27FC236}">
-                <a16:creationId xmlns:a16="http://schemas.microsoft.com/office/drawing/2014/main" id="{1606D506-5CA5-369C-0822-B43D90E3351C}"/>
+                <a16:creationId xmlns:a16="http://schemas.microsoft.com/office/drawing/2014/main" xmlns="" id="{1606D506-5CA5-369C-0822-B43D90E3351C}"/>
               </a:ext>
             </a:extLst>
           </p:cNvPr>
@@ -696,7 +702,7 @@
           <p:cNvPr id="6" name="Slide Number Placeholder 5">
             <a:extLst>
               <a:ext uri="{FF2B5EF4-FFF2-40B4-BE49-F238E27FC236}">
-                <a16:creationId xmlns:a16="http://schemas.microsoft.com/office/drawing/2014/main" id="{08C02CF7-5E6C-9112-B98C-59CF5A3B2EEF}"/>
+                <a16:creationId xmlns:a16="http://schemas.microsoft.com/office/drawing/2014/main" xmlns="" id="{08C02CF7-5E6C-9112-B98C-59CF5A3B2EEF}"/>
               </a:ext>
             </a:extLst>
           </p:cNvPr>
@@ -714,6 +720,7 @@
           <a:p>
             <a:fld id="{5A67D6BD-999F-422A-8CE5-B14A89CBDFF1}" type="slidenum">
               <a:rPr lang="en-US" smtClean="0"/>
+              <a:pPr/>
               <a:t>‹#›</a:t>
             </a:fld>
             <a:endParaRPr lang="en-US"/>
@@ -723,7 +730,7 @@
     </p:spTree>
     <p:extLst>
       <p:ext uri="{BB962C8B-B14F-4D97-AF65-F5344CB8AC3E}">
-        <p14:creationId xmlns:p14="http://schemas.microsoft.com/office/powerpoint/2010/main" val="603406614"/>
+        <p14:creationId xmlns:p14="http://schemas.microsoft.com/office/powerpoint/2010/main" xmlns="" val="603406614"/>
       </p:ext>
     </p:extLst>
   </p:cSld>
@@ -755,7 +762,7 @@
           <p:cNvPr id="2" name="Title 1">
             <a:extLst>
               <a:ext uri="{FF2B5EF4-FFF2-40B4-BE49-F238E27FC236}">
-                <a16:creationId xmlns:a16="http://schemas.microsoft.com/office/drawing/2014/main" id="{930FC72F-F7E9-09F0-9BDF-EBF7AEFE3192}"/>
+                <a16:creationId xmlns:a16="http://schemas.microsoft.com/office/drawing/2014/main" xmlns="" id="{930FC72F-F7E9-09F0-9BDF-EBF7AEFE3192}"/>
               </a:ext>
             </a:extLst>
           </p:cNvPr>
@@ -783,7 +790,7 @@
           <p:cNvPr id="3" name="Content Placeholder 2">
             <a:extLst>
               <a:ext uri="{FF2B5EF4-FFF2-40B4-BE49-F238E27FC236}">
-                <a16:creationId xmlns:a16="http://schemas.microsoft.com/office/drawing/2014/main" id="{5EBA0A14-E2B8-D0F8-6078-0A66463877CA}"/>
+                <a16:creationId xmlns:a16="http://schemas.microsoft.com/office/drawing/2014/main" xmlns="" id="{5EBA0A14-E2B8-D0F8-6078-0A66463877CA}"/>
               </a:ext>
             </a:extLst>
           </p:cNvPr>
@@ -840,7 +847,7 @@
           <p:cNvPr id="4" name="Date Placeholder 3">
             <a:extLst>
               <a:ext uri="{FF2B5EF4-FFF2-40B4-BE49-F238E27FC236}">
-                <a16:creationId xmlns:a16="http://schemas.microsoft.com/office/drawing/2014/main" id="{8F870090-FBCA-638E-085F-6E47BF9FEAC9}"/>
+                <a16:creationId xmlns:a16="http://schemas.microsoft.com/office/drawing/2014/main" xmlns="" id="{8F870090-FBCA-638E-085F-6E47BF9FEAC9}"/>
               </a:ext>
             </a:extLst>
           </p:cNvPr>
@@ -858,6 +865,7 @@
           <a:p>
             <a:fld id="{6130A597-3FC2-40BC-90E4-45272B4FD30A}" type="datetimeFigureOut">
               <a:rPr lang="en-US" smtClean="0"/>
+              <a:pPr/>
               <a:t>6/9/2023</a:t>
             </a:fld>
             <a:endParaRPr lang="en-US"/>
@@ -869,7 +877,7 @@
           <p:cNvPr id="5" name="Footer Placeholder 4">
             <a:extLst>
               <a:ext uri="{FF2B5EF4-FFF2-40B4-BE49-F238E27FC236}">
-                <a16:creationId xmlns:a16="http://schemas.microsoft.com/office/drawing/2014/main" id="{E72900C2-34D3-E313-64AD-ACD80F4817EB}"/>
+                <a16:creationId xmlns:a16="http://schemas.microsoft.com/office/drawing/2014/main" xmlns="" id="{E72900C2-34D3-E313-64AD-ACD80F4817EB}"/>
               </a:ext>
             </a:extLst>
           </p:cNvPr>
@@ -894,7 +902,7 @@
           <p:cNvPr id="6" name="Slide Number Placeholder 5">
             <a:extLst>
               <a:ext uri="{FF2B5EF4-FFF2-40B4-BE49-F238E27FC236}">
-                <a16:creationId xmlns:a16="http://schemas.microsoft.com/office/drawing/2014/main" id="{8E1A93B0-83A1-48FB-CAB5-753DD368F5F6}"/>
+                <a16:creationId xmlns:a16="http://schemas.microsoft.com/office/drawing/2014/main" xmlns="" id="{8E1A93B0-83A1-48FB-CAB5-753DD368F5F6}"/>
               </a:ext>
             </a:extLst>
           </p:cNvPr>
@@ -912,6 +920,7 @@
           <a:p>
             <a:fld id="{5A67D6BD-999F-422A-8CE5-B14A89CBDFF1}" type="slidenum">
               <a:rPr lang="en-US" smtClean="0"/>
+              <a:pPr/>
               <a:t>‹#›</a:t>
             </a:fld>
             <a:endParaRPr lang="en-US"/>
@@ -921,7 +930,7 @@
     </p:spTree>
     <p:extLst>
       <p:ext uri="{BB962C8B-B14F-4D97-AF65-F5344CB8AC3E}">
-        <p14:creationId xmlns:p14="http://schemas.microsoft.com/office/powerpoint/2010/main" val="713313203"/>
+        <p14:creationId xmlns:p14="http://schemas.microsoft.com/office/powerpoint/2010/main" xmlns="" val="713313203"/>
       </p:ext>
     </p:extLst>
   </p:cSld>
@@ -953,7 +962,7 @@
           <p:cNvPr id="2" name="Title 1">
             <a:extLst>
               <a:ext uri="{FF2B5EF4-FFF2-40B4-BE49-F238E27FC236}">
-                <a16:creationId xmlns:a16="http://schemas.microsoft.com/office/drawing/2014/main" id="{9188BA67-BAAF-95B3-9D40-BC79FEB29897}"/>
+                <a16:creationId xmlns:a16="http://schemas.microsoft.com/office/drawing/2014/main" xmlns="" id="{9188BA67-BAAF-95B3-9D40-BC79FEB29897}"/>
               </a:ext>
             </a:extLst>
           </p:cNvPr>
@@ -990,7 +999,7 @@
           <p:cNvPr id="3" name="Text Placeholder 2">
             <a:extLst>
               <a:ext uri="{FF2B5EF4-FFF2-40B4-BE49-F238E27FC236}">
-                <a16:creationId xmlns:a16="http://schemas.microsoft.com/office/drawing/2014/main" id="{2BC1450A-C213-133F-A2BF-FB249F720381}"/>
+                <a16:creationId xmlns:a16="http://schemas.microsoft.com/office/drawing/2014/main" xmlns="" id="{2BC1450A-C213-133F-A2BF-FB249F720381}"/>
               </a:ext>
             </a:extLst>
           </p:cNvPr>
@@ -1115,7 +1124,7 @@
           <p:cNvPr id="4" name="Date Placeholder 3">
             <a:extLst>
               <a:ext uri="{FF2B5EF4-FFF2-40B4-BE49-F238E27FC236}">
-                <a16:creationId xmlns:a16="http://schemas.microsoft.com/office/drawing/2014/main" id="{654FA05A-39EC-6536-2088-C7D685557A1F}"/>
+                <a16:creationId xmlns:a16="http://schemas.microsoft.com/office/drawing/2014/main" xmlns="" id="{654FA05A-39EC-6536-2088-C7D685557A1F}"/>
               </a:ext>
             </a:extLst>
           </p:cNvPr>
@@ -1133,6 +1142,7 @@
           <a:p>
             <a:fld id="{6130A597-3FC2-40BC-90E4-45272B4FD30A}" type="datetimeFigureOut">
               <a:rPr lang="en-US" smtClean="0"/>
+              <a:pPr/>
               <a:t>6/9/2023</a:t>
             </a:fld>
             <a:endParaRPr lang="en-US"/>
@@ -1144,7 +1154,7 @@
           <p:cNvPr id="5" name="Footer Placeholder 4">
             <a:extLst>
               <a:ext uri="{FF2B5EF4-FFF2-40B4-BE49-F238E27FC236}">
-                <a16:creationId xmlns:a16="http://schemas.microsoft.com/office/drawing/2014/main" id="{076D37C4-5F25-6299-FB5B-A945D1F04692}"/>
+                <a16:creationId xmlns:a16="http://schemas.microsoft.com/office/drawing/2014/main" xmlns="" id="{076D37C4-5F25-6299-FB5B-A945D1F04692}"/>
               </a:ext>
             </a:extLst>
           </p:cNvPr>
@@ -1169,7 +1179,7 @@
           <p:cNvPr id="6" name="Slide Number Placeholder 5">
             <a:extLst>
               <a:ext uri="{FF2B5EF4-FFF2-40B4-BE49-F238E27FC236}">
-                <a16:creationId xmlns:a16="http://schemas.microsoft.com/office/drawing/2014/main" id="{5F44D49C-CBBB-77FC-674B-87DF5A42FA0B}"/>
+                <a16:creationId xmlns:a16="http://schemas.microsoft.com/office/drawing/2014/main" xmlns="" id="{5F44D49C-CBBB-77FC-674B-87DF5A42FA0B}"/>
               </a:ext>
             </a:extLst>
           </p:cNvPr>
@@ -1187,6 +1197,7 @@
           <a:p>
             <a:fld id="{5A67D6BD-999F-422A-8CE5-B14A89CBDFF1}" type="slidenum">
               <a:rPr lang="en-US" smtClean="0"/>
+              <a:pPr/>
               <a:t>‹#›</a:t>
             </a:fld>
             <a:endParaRPr lang="en-US"/>
@@ -1196,7 +1207,7 @@
     </p:spTree>
     <p:extLst>
       <p:ext uri="{BB962C8B-B14F-4D97-AF65-F5344CB8AC3E}">
-        <p14:creationId xmlns:p14="http://schemas.microsoft.com/office/powerpoint/2010/main" val="1604520373"/>
+        <p14:creationId xmlns:p14="http://schemas.microsoft.com/office/powerpoint/2010/main" xmlns="" val="1604520373"/>
       </p:ext>
     </p:extLst>
   </p:cSld>
@@ -1228,7 +1239,7 @@
           <p:cNvPr id="2" name="Title 1">
             <a:extLst>
               <a:ext uri="{FF2B5EF4-FFF2-40B4-BE49-F238E27FC236}">
-                <a16:creationId xmlns:a16="http://schemas.microsoft.com/office/drawing/2014/main" id="{4C9C1003-9667-290F-E51A-415DA43E6DA9}"/>
+                <a16:creationId xmlns:a16="http://schemas.microsoft.com/office/drawing/2014/main" xmlns="" id="{4C9C1003-9667-290F-E51A-415DA43E6DA9}"/>
               </a:ext>
             </a:extLst>
           </p:cNvPr>
@@ -1256,7 +1267,7 @@
           <p:cNvPr id="3" name="Content Placeholder 2">
             <a:extLst>
               <a:ext uri="{FF2B5EF4-FFF2-40B4-BE49-F238E27FC236}">
-                <a16:creationId xmlns:a16="http://schemas.microsoft.com/office/drawing/2014/main" id="{131BCE7E-05CC-112A-3CBF-BD723C17C1AD}"/>
+                <a16:creationId xmlns:a16="http://schemas.microsoft.com/office/drawing/2014/main" xmlns="" id="{131BCE7E-05CC-112A-3CBF-BD723C17C1AD}"/>
               </a:ext>
             </a:extLst>
           </p:cNvPr>
@@ -1318,7 +1329,7 @@
           <p:cNvPr id="4" name="Content Placeholder 3">
             <a:extLst>
               <a:ext uri="{FF2B5EF4-FFF2-40B4-BE49-F238E27FC236}">
-                <a16:creationId xmlns:a16="http://schemas.microsoft.com/office/drawing/2014/main" id="{0DCB66B2-781C-9422-1017-06A10B2BB8CD}"/>
+                <a16:creationId xmlns:a16="http://schemas.microsoft.com/office/drawing/2014/main" xmlns="" id="{0DCB66B2-781C-9422-1017-06A10B2BB8CD}"/>
               </a:ext>
             </a:extLst>
           </p:cNvPr>
@@ -1380,7 +1391,7 @@
           <p:cNvPr id="5" name="Date Placeholder 4">
             <a:extLst>
               <a:ext uri="{FF2B5EF4-FFF2-40B4-BE49-F238E27FC236}">
-                <a16:creationId xmlns:a16="http://schemas.microsoft.com/office/drawing/2014/main" id="{402C8663-4E43-3032-B41A-A70C637C28B1}"/>
+                <a16:creationId xmlns:a16="http://schemas.microsoft.com/office/drawing/2014/main" xmlns="" id="{402C8663-4E43-3032-B41A-A70C637C28B1}"/>
               </a:ext>
             </a:extLst>
           </p:cNvPr>
@@ -1398,6 +1409,7 @@
           <a:p>
             <a:fld id="{6130A597-3FC2-40BC-90E4-45272B4FD30A}" type="datetimeFigureOut">
               <a:rPr lang="en-US" smtClean="0"/>
+              <a:pPr/>
               <a:t>6/9/2023</a:t>
             </a:fld>
             <a:endParaRPr lang="en-US"/>
@@ -1409,7 +1421,7 @@
           <p:cNvPr id="6" name="Footer Placeholder 5">
             <a:extLst>
               <a:ext uri="{FF2B5EF4-FFF2-40B4-BE49-F238E27FC236}">
-                <a16:creationId xmlns:a16="http://schemas.microsoft.com/office/drawing/2014/main" id="{312E88B8-B06A-47EB-1EC7-7463940D11CE}"/>
+                <a16:creationId xmlns:a16="http://schemas.microsoft.com/office/drawing/2014/main" xmlns="" id="{312E88B8-B06A-47EB-1EC7-7463940D11CE}"/>
               </a:ext>
             </a:extLst>
           </p:cNvPr>
@@ -1434,7 +1446,7 @@
           <p:cNvPr id="7" name="Slide Number Placeholder 6">
             <a:extLst>
               <a:ext uri="{FF2B5EF4-FFF2-40B4-BE49-F238E27FC236}">
-                <a16:creationId xmlns:a16="http://schemas.microsoft.com/office/drawing/2014/main" id="{AE6BC2D5-42CD-4E23-31F5-8E19F551679F}"/>
+                <a16:creationId xmlns:a16="http://schemas.microsoft.com/office/drawing/2014/main" xmlns="" id="{AE6BC2D5-42CD-4E23-31F5-8E19F551679F}"/>
               </a:ext>
             </a:extLst>
           </p:cNvPr>
@@ -1452,6 +1464,7 @@
           <a:p>
             <a:fld id="{5A67D6BD-999F-422A-8CE5-B14A89CBDFF1}" type="slidenum">
               <a:rPr lang="en-US" smtClean="0"/>
+              <a:pPr/>
               <a:t>‹#›</a:t>
             </a:fld>
             <a:endParaRPr lang="en-US"/>
@@ -1461,7 +1474,7 @@
     </p:spTree>
     <p:extLst>
       <p:ext uri="{BB962C8B-B14F-4D97-AF65-F5344CB8AC3E}">
-        <p14:creationId xmlns:p14="http://schemas.microsoft.com/office/powerpoint/2010/main" val="3411766856"/>
+        <p14:creationId xmlns:p14="http://schemas.microsoft.com/office/powerpoint/2010/main" xmlns="" val="3411766856"/>
       </p:ext>
     </p:extLst>
   </p:cSld>
@@ -1493,7 +1506,7 @@
           <p:cNvPr id="2" name="Title 1">
             <a:extLst>
               <a:ext uri="{FF2B5EF4-FFF2-40B4-BE49-F238E27FC236}">
-                <a16:creationId xmlns:a16="http://schemas.microsoft.com/office/drawing/2014/main" id="{9F12485E-E075-C09C-D8FC-3AC335A03AD2}"/>
+                <a16:creationId xmlns:a16="http://schemas.microsoft.com/office/drawing/2014/main" xmlns="" id="{9F12485E-E075-C09C-D8FC-3AC335A03AD2}"/>
               </a:ext>
             </a:extLst>
           </p:cNvPr>
@@ -1526,7 +1539,7 @@
           <p:cNvPr id="3" name="Text Placeholder 2">
             <a:extLst>
               <a:ext uri="{FF2B5EF4-FFF2-40B4-BE49-F238E27FC236}">
-                <a16:creationId xmlns:a16="http://schemas.microsoft.com/office/drawing/2014/main" id="{284F00E5-DD46-3320-0822-784F5F446123}"/>
+                <a16:creationId xmlns:a16="http://schemas.microsoft.com/office/drawing/2014/main" xmlns="" id="{284F00E5-DD46-3320-0822-784F5F446123}"/>
               </a:ext>
             </a:extLst>
           </p:cNvPr>
@@ -1597,7 +1610,7 @@
           <p:cNvPr id="4" name="Content Placeholder 3">
             <a:extLst>
               <a:ext uri="{FF2B5EF4-FFF2-40B4-BE49-F238E27FC236}">
-                <a16:creationId xmlns:a16="http://schemas.microsoft.com/office/drawing/2014/main" id="{81554A94-2C6C-CCCB-D6AD-621E32529849}"/>
+                <a16:creationId xmlns:a16="http://schemas.microsoft.com/office/drawing/2014/main" xmlns="" id="{81554A94-2C6C-CCCB-D6AD-621E32529849}"/>
               </a:ext>
             </a:extLst>
           </p:cNvPr>
@@ -1659,7 +1672,7 @@
           <p:cNvPr id="5" name="Text Placeholder 4">
             <a:extLst>
               <a:ext uri="{FF2B5EF4-FFF2-40B4-BE49-F238E27FC236}">
-                <a16:creationId xmlns:a16="http://schemas.microsoft.com/office/drawing/2014/main" id="{C1E02853-4C8F-2F6E-3A95-957DB44FDB0B}"/>
+                <a16:creationId xmlns:a16="http://schemas.microsoft.com/office/drawing/2014/main" xmlns="" id="{C1E02853-4C8F-2F6E-3A95-957DB44FDB0B}"/>
               </a:ext>
             </a:extLst>
           </p:cNvPr>
@@ -1730,7 +1743,7 @@
           <p:cNvPr id="6" name="Content Placeholder 5">
             <a:extLst>
               <a:ext uri="{FF2B5EF4-FFF2-40B4-BE49-F238E27FC236}">
-                <a16:creationId xmlns:a16="http://schemas.microsoft.com/office/drawing/2014/main" id="{921A8824-9270-2B26-8F27-E225E18FC3DF}"/>
+                <a16:creationId xmlns:a16="http://schemas.microsoft.com/office/drawing/2014/main" xmlns="" id="{921A8824-9270-2B26-8F27-E225E18FC3DF}"/>
               </a:ext>
             </a:extLst>
           </p:cNvPr>
@@ -1792,7 +1805,7 @@
           <p:cNvPr id="7" name="Date Placeholder 6">
             <a:extLst>
               <a:ext uri="{FF2B5EF4-FFF2-40B4-BE49-F238E27FC236}">
-                <a16:creationId xmlns:a16="http://schemas.microsoft.com/office/drawing/2014/main" id="{E854A824-23BA-A33C-2771-CA323E438BAC}"/>
+                <a16:creationId xmlns:a16="http://schemas.microsoft.com/office/drawing/2014/main" xmlns="" id="{E854A824-23BA-A33C-2771-CA323E438BAC}"/>
               </a:ext>
             </a:extLst>
           </p:cNvPr>
@@ -1810,6 +1823,7 @@
           <a:p>
             <a:fld id="{6130A597-3FC2-40BC-90E4-45272B4FD30A}" type="datetimeFigureOut">
               <a:rPr lang="en-US" smtClean="0"/>
+              <a:pPr/>
               <a:t>6/9/2023</a:t>
             </a:fld>
             <a:endParaRPr lang="en-US"/>
@@ -1821,7 +1835,7 @@
           <p:cNvPr id="8" name="Footer Placeholder 7">
             <a:extLst>
               <a:ext uri="{FF2B5EF4-FFF2-40B4-BE49-F238E27FC236}">
-                <a16:creationId xmlns:a16="http://schemas.microsoft.com/office/drawing/2014/main" id="{0079C28F-5E76-E621-AA85-A667F1E1B5B5}"/>
+                <a16:creationId xmlns:a16="http://schemas.microsoft.com/office/drawing/2014/main" xmlns="" id="{0079C28F-5E76-E621-AA85-A667F1E1B5B5}"/>
               </a:ext>
             </a:extLst>
           </p:cNvPr>
@@ -1846,7 +1860,7 @@
           <p:cNvPr id="9" name="Slide Number Placeholder 8">
             <a:extLst>
               <a:ext uri="{FF2B5EF4-FFF2-40B4-BE49-F238E27FC236}">
-                <a16:creationId xmlns:a16="http://schemas.microsoft.com/office/drawing/2014/main" id="{40DC1F46-38AB-7E8A-FCBC-BA50FD9D5B40}"/>
+                <a16:creationId xmlns:a16="http://schemas.microsoft.com/office/drawing/2014/main" xmlns="" id="{40DC1F46-38AB-7E8A-FCBC-BA50FD9D5B40}"/>
               </a:ext>
             </a:extLst>
           </p:cNvPr>
@@ -1864,6 +1878,7 @@
           <a:p>
             <a:fld id="{5A67D6BD-999F-422A-8CE5-B14A89CBDFF1}" type="slidenum">
               <a:rPr lang="en-US" smtClean="0"/>
+              <a:pPr/>
               <a:t>‹#›</a:t>
             </a:fld>
             <a:endParaRPr lang="en-US"/>
@@ -1873,7 +1888,7 @@
     </p:spTree>
     <p:extLst>
       <p:ext uri="{BB962C8B-B14F-4D97-AF65-F5344CB8AC3E}">
-        <p14:creationId xmlns:p14="http://schemas.microsoft.com/office/powerpoint/2010/main" val="1485234317"/>
+        <p14:creationId xmlns:p14="http://schemas.microsoft.com/office/powerpoint/2010/main" xmlns="" val="1485234317"/>
       </p:ext>
     </p:extLst>
   </p:cSld>
@@ -1905,7 +1920,7 @@
           <p:cNvPr id="2" name="Title 1">
             <a:extLst>
               <a:ext uri="{FF2B5EF4-FFF2-40B4-BE49-F238E27FC236}">
-                <a16:creationId xmlns:a16="http://schemas.microsoft.com/office/drawing/2014/main" id="{5EDD8193-4C91-2CFC-D647-2FF96473F13B}"/>
+                <a16:creationId xmlns:a16="http://schemas.microsoft.com/office/drawing/2014/main" xmlns="" id="{5EDD8193-4C91-2CFC-D647-2FF96473F13B}"/>
               </a:ext>
             </a:extLst>
           </p:cNvPr>
@@ -1933,7 +1948,7 @@
           <p:cNvPr id="3" name="Date Placeholder 2">
             <a:extLst>
               <a:ext uri="{FF2B5EF4-FFF2-40B4-BE49-F238E27FC236}">
-                <a16:creationId xmlns:a16="http://schemas.microsoft.com/office/drawing/2014/main" id="{C684552E-1713-E254-8E21-A1733307EC55}"/>
+                <a16:creationId xmlns:a16="http://schemas.microsoft.com/office/drawing/2014/main" xmlns="" id="{C684552E-1713-E254-8E21-A1733307EC55}"/>
               </a:ext>
             </a:extLst>
           </p:cNvPr>
@@ -1951,6 +1966,7 @@
           <a:p>
             <a:fld id="{6130A597-3FC2-40BC-90E4-45272B4FD30A}" type="datetimeFigureOut">
               <a:rPr lang="en-US" smtClean="0"/>
+              <a:pPr/>
               <a:t>6/9/2023</a:t>
             </a:fld>
             <a:endParaRPr lang="en-US"/>
@@ -1962,7 +1978,7 @@
           <p:cNvPr id="4" name="Footer Placeholder 3">
             <a:extLst>
               <a:ext uri="{FF2B5EF4-FFF2-40B4-BE49-F238E27FC236}">
-                <a16:creationId xmlns:a16="http://schemas.microsoft.com/office/drawing/2014/main" id="{93B2DE15-67E9-C318-FBDB-44421640723F}"/>
+                <a16:creationId xmlns:a16="http://schemas.microsoft.com/office/drawing/2014/main" xmlns="" id="{93B2DE15-67E9-C318-FBDB-44421640723F}"/>
               </a:ext>
             </a:extLst>
           </p:cNvPr>
@@ -1987,7 +2003,7 @@
           <p:cNvPr id="5" name="Slide Number Placeholder 4">
             <a:extLst>
               <a:ext uri="{FF2B5EF4-FFF2-40B4-BE49-F238E27FC236}">
-                <a16:creationId xmlns:a16="http://schemas.microsoft.com/office/drawing/2014/main" id="{4D877F71-CAA7-DE39-32E4-531922468132}"/>
+                <a16:creationId xmlns:a16="http://schemas.microsoft.com/office/drawing/2014/main" xmlns="" id="{4D877F71-CAA7-DE39-32E4-531922468132}"/>
               </a:ext>
             </a:extLst>
           </p:cNvPr>
@@ -2005,6 +2021,7 @@
           <a:p>
             <a:fld id="{5A67D6BD-999F-422A-8CE5-B14A89CBDFF1}" type="slidenum">
               <a:rPr lang="en-US" smtClean="0"/>
+              <a:pPr/>
               <a:t>‹#›</a:t>
             </a:fld>
             <a:endParaRPr lang="en-US"/>
@@ -2014,7 +2031,7 @@
     </p:spTree>
     <p:extLst>
       <p:ext uri="{BB962C8B-B14F-4D97-AF65-F5344CB8AC3E}">
-        <p14:creationId xmlns:p14="http://schemas.microsoft.com/office/powerpoint/2010/main" val="1896301856"/>
+        <p14:creationId xmlns:p14="http://schemas.microsoft.com/office/powerpoint/2010/main" xmlns="" val="1896301856"/>
       </p:ext>
     </p:extLst>
   </p:cSld>
@@ -2046,7 +2063,7 @@
           <p:cNvPr id="2" name="Date Placeholder 1">
             <a:extLst>
               <a:ext uri="{FF2B5EF4-FFF2-40B4-BE49-F238E27FC236}">
-                <a16:creationId xmlns:a16="http://schemas.microsoft.com/office/drawing/2014/main" id="{1E69C9D6-693E-4B83-6760-2C08919C4DF2}"/>
+                <a16:creationId xmlns:a16="http://schemas.microsoft.com/office/drawing/2014/main" xmlns="" id="{1E69C9D6-693E-4B83-6760-2C08919C4DF2}"/>
               </a:ext>
             </a:extLst>
           </p:cNvPr>
@@ -2064,6 +2081,7 @@
           <a:p>
             <a:fld id="{6130A597-3FC2-40BC-90E4-45272B4FD30A}" type="datetimeFigureOut">
               <a:rPr lang="en-US" smtClean="0"/>
+              <a:pPr/>
               <a:t>6/9/2023</a:t>
             </a:fld>
             <a:endParaRPr lang="en-US"/>
@@ -2075,7 +2093,7 @@
           <p:cNvPr id="3" name="Footer Placeholder 2">
             <a:extLst>
               <a:ext uri="{FF2B5EF4-FFF2-40B4-BE49-F238E27FC236}">
-                <a16:creationId xmlns:a16="http://schemas.microsoft.com/office/drawing/2014/main" id="{68E9C5C0-8B74-1105-A52B-E19BD511B369}"/>
+                <a16:creationId xmlns:a16="http://schemas.microsoft.com/office/drawing/2014/main" xmlns="" id="{68E9C5C0-8B74-1105-A52B-E19BD511B369}"/>
               </a:ext>
             </a:extLst>
           </p:cNvPr>
@@ -2100,7 +2118,7 @@
           <p:cNvPr id="4" name="Slide Number Placeholder 3">
             <a:extLst>
               <a:ext uri="{FF2B5EF4-FFF2-40B4-BE49-F238E27FC236}">
-                <a16:creationId xmlns:a16="http://schemas.microsoft.com/office/drawing/2014/main" id="{255D8235-CEC6-A5F6-08C6-613C0E32A904}"/>
+                <a16:creationId xmlns:a16="http://schemas.microsoft.com/office/drawing/2014/main" xmlns="" id="{255D8235-CEC6-A5F6-08C6-613C0E32A904}"/>
               </a:ext>
             </a:extLst>
           </p:cNvPr>
@@ -2118,6 +2136,7 @@
           <a:p>
             <a:fld id="{5A67D6BD-999F-422A-8CE5-B14A89CBDFF1}" type="slidenum">
               <a:rPr lang="en-US" smtClean="0"/>
+              <a:pPr/>
               <a:t>‹#›</a:t>
             </a:fld>
             <a:endParaRPr lang="en-US"/>
@@ -2127,7 +2146,7 @@
     </p:spTree>
     <p:extLst>
       <p:ext uri="{BB962C8B-B14F-4D97-AF65-F5344CB8AC3E}">
-        <p14:creationId xmlns:p14="http://schemas.microsoft.com/office/powerpoint/2010/main" val="3037138009"/>
+        <p14:creationId xmlns:p14="http://schemas.microsoft.com/office/powerpoint/2010/main" xmlns="" val="3037138009"/>
       </p:ext>
     </p:extLst>
   </p:cSld>
@@ -2159,7 +2178,7 @@
           <p:cNvPr id="2" name="Title 1">
             <a:extLst>
               <a:ext uri="{FF2B5EF4-FFF2-40B4-BE49-F238E27FC236}">
-                <a16:creationId xmlns:a16="http://schemas.microsoft.com/office/drawing/2014/main" id="{4D48B167-832A-AD22-D31D-346C97076070}"/>
+                <a16:creationId xmlns:a16="http://schemas.microsoft.com/office/drawing/2014/main" xmlns="" id="{4D48B167-832A-AD22-D31D-346C97076070}"/>
               </a:ext>
             </a:extLst>
           </p:cNvPr>
@@ -2196,7 +2215,7 @@
           <p:cNvPr id="3" name="Content Placeholder 2">
             <a:extLst>
               <a:ext uri="{FF2B5EF4-FFF2-40B4-BE49-F238E27FC236}">
-                <a16:creationId xmlns:a16="http://schemas.microsoft.com/office/drawing/2014/main" id="{C7719FDD-EE1C-ABDD-BB39-1084B60016D6}"/>
+                <a16:creationId xmlns:a16="http://schemas.microsoft.com/office/drawing/2014/main" xmlns="" id="{C7719FDD-EE1C-ABDD-BB39-1084B60016D6}"/>
               </a:ext>
             </a:extLst>
           </p:cNvPr>
@@ -2286,7 +2305,7 @@
           <p:cNvPr id="4" name="Text Placeholder 3">
             <a:extLst>
               <a:ext uri="{FF2B5EF4-FFF2-40B4-BE49-F238E27FC236}">
-                <a16:creationId xmlns:a16="http://schemas.microsoft.com/office/drawing/2014/main" id="{47CA3BCE-61E5-D092-8999-923CB28C15CA}"/>
+                <a16:creationId xmlns:a16="http://schemas.microsoft.com/office/drawing/2014/main" xmlns="" id="{47CA3BCE-61E5-D092-8999-923CB28C15CA}"/>
               </a:ext>
             </a:extLst>
           </p:cNvPr>
@@ -2357,7 +2376,7 @@
           <p:cNvPr id="5" name="Date Placeholder 4">
             <a:extLst>
               <a:ext uri="{FF2B5EF4-FFF2-40B4-BE49-F238E27FC236}">
-                <a16:creationId xmlns:a16="http://schemas.microsoft.com/office/drawing/2014/main" id="{3D8E7628-EC86-76DA-0F7C-F7BE0503F31A}"/>
+                <a16:creationId xmlns:a16="http://schemas.microsoft.com/office/drawing/2014/main" xmlns="" id="{3D8E7628-EC86-76DA-0F7C-F7BE0503F31A}"/>
               </a:ext>
             </a:extLst>
           </p:cNvPr>
@@ -2375,6 +2394,7 @@
           <a:p>
             <a:fld id="{6130A597-3FC2-40BC-90E4-45272B4FD30A}" type="datetimeFigureOut">
               <a:rPr lang="en-US" smtClean="0"/>
+              <a:pPr/>
               <a:t>6/9/2023</a:t>
             </a:fld>
             <a:endParaRPr lang="en-US"/>
@@ -2386,7 +2406,7 @@
           <p:cNvPr id="6" name="Footer Placeholder 5">
             <a:extLst>
               <a:ext uri="{FF2B5EF4-FFF2-40B4-BE49-F238E27FC236}">
-                <a16:creationId xmlns:a16="http://schemas.microsoft.com/office/drawing/2014/main" id="{9857056D-1017-5779-9F14-334743C343EB}"/>
+                <a16:creationId xmlns:a16="http://schemas.microsoft.com/office/drawing/2014/main" xmlns="" id="{9857056D-1017-5779-9F14-334743C343EB}"/>
               </a:ext>
             </a:extLst>
           </p:cNvPr>
@@ -2411,7 +2431,7 @@
           <p:cNvPr id="7" name="Slide Number Placeholder 6">
             <a:extLst>
               <a:ext uri="{FF2B5EF4-FFF2-40B4-BE49-F238E27FC236}">
-                <a16:creationId xmlns:a16="http://schemas.microsoft.com/office/drawing/2014/main" id="{63ADBFC1-BDC0-CC76-953D-6D1E07E1A71C}"/>
+                <a16:creationId xmlns:a16="http://schemas.microsoft.com/office/drawing/2014/main" xmlns="" id="{63ADBFC1-BDC0-CC76-953D-6D1E07E1A71C}"/>
               </a:ext>
             </a:extLst>
           </p:cNvPr>
@@ -2429,6 +2449,7 @@
           <a:p>
             <a:fld id="{5A67D6BD-999F-422A-8CE5-B14A89CBDFF1}" type="slidenum">
               <a:rPr lang="en-US" smtClean="0"/>
+              <a:pPr/>
               <a:t>‹#›</a:t>
             </a:fld>
             <a:endParaRPr lang="en-US"/>
@@ -2438,7 +2459,7 @@
     </p:spTree>
     <p:extLst>
       <p:ext uri="{BB962C8B-B14F-4D97-AF65-F5344CB8AC3E}">
-        <p14:creationId xmlns:p14="http://schemas.microsoft.com/office/powerpoint/2010/main" val="3199422506"/>
+        <p14:creationId xmlns:p14="http://schemas.microsoft.com/office/powerpoint/2010/main" xmlns="" val="3199422506"/>
       </p:ext>
     </p:extLst>
   </p:cSld>
@@ -2470,7 +2491,7 @@
           <p:cNvPr id="2" name="Title 1">
             <a:extLst>
               <a:ext uri="{FF2B5EF4-FFF2-40B4-BE49-F238E27FC236}">
-                <a16:creationId xmlns:a16="http://schemas.microsoft.com/office/drawing/2014/main" id="{933B0A90-8F22-692E-861A-6AEE4BD2408B}"/>
+                <a16:creationId xmlns:a16="http://schemas.microsoft.com/office/drawing/2014/main" xmlns="" id="{933B0A90-8F22-692E-861A-6AEE4BD2408B}"/>
               </a:ext>
             </a:extLst>
           </p:cNvPr>
@@ -2507,7 +2528,7 @@
           <p:cNvPr id="3" name="Picture Placeholder 2">
             <a:extLst>
               <a:ext uri="{FF2B5EF4-FFF2-40B4-BE49-F238E27FC236}">
-                <a16:creationId xmlns:a16="http://schemas.microsoft.com/office/drawing/2014/main" id="{986699B9-DA22-43FB-B4E4-CBFB16AFFC59}"/>
+                <a16:creationId xmlns:a16="http://schemas.microsoft.com/office/drawing/2014/main" xmlns="" id="{986699B9-DA22-43FB-B4E4-CBFB16AFFC59}"/>
               </a:ext>
             </a:extLst>
           </p:cNvPr>
@@ -2574,7 +2595,7 @@
           <p:cNvPr id="4" name="Text Placeholder 3">
             <a:extLst>
               <a:ext uri="{FF2B5EF4-FFF2-40B4-BE49-F238E27FC236}">
-                <a16:creationId xmlns:a16="http://schemas.microsoft.com/office/drawing/2014/main" id="{5C7DBCAB-263B-FB14-4468-CF1C0E68A064}"/>
+                <a16:creationId xmlns:a16="http://schemas.microsoft.com/office/drawing/2014/main" xmlns="" id="{5C7DBCAB-263B-FB14-4468-CF1C0E68A064}"/>
               </a:ext>
             </a:extLst>
           </p:cNvPr>
@@ -2645,7 +2666,7 @@
           <p:cNvPr id="5" name="Date Placeholder 4">
             <a:extLst>
               <a:ext uri="{FF2B5EF4-FFF2-40B4-BE49-F238E27FC236}">
-                <a16:creationId xmlns:a16="http://schemas.microsoft.com/office/drawing/2014/main" id="{F7B0C56C-FB3B-02D9-7CF0-48965B6761C2}"/>
+                <a16:creationId xmlns:a16="http://schemas.microsoft.com/office/drawing/2014/main" xmlns="" id="{F7B0C56C-FB3B-02D9-7CF0-48965B6761C2}"/>
               </a:ext>
             </a:extLst>
           </p:cNvPr>
@@ -2663,6 +2684,7 @@
           <a:p>
             <a:fld id="{6130A597-3FC2-40BC-90E4-45272B4FD30A}" type="datetimeFigureOut">
               <a:rPr lang="en-US" smtClean="0"/>
+              <a:pPr/>
               <a:t>6/9/2023</a:t>
             </a:fld>
             <a:endParaRPr lang="en-US"/>
@@ -2674,7 +2696,7 @@
           <p:cNvPr id="6" name="Footer Placeholder 5">
             <a:extLst>
               <a:ext uri="{FF2B5EF4-FFF2-40B4-BE49-F238E27FC236}">
-                <a16:creationId xmlns:a16="http://schemas.microsoft.com/office/drawing/2014/main" id="{7D9FF859-9443-88B8-AFDE-51D16A949BB3}"/>
+                <a16:creationId xmlns:a16="http://schemas.microsoft.com/office/drawing/2014/main" xmlns="" id="{7D9FF859-9443-88B8-AFDE-51D16A949BB3}"/>
               </a:ext>
             </a:extLst>
           </p:cNvPr>
@@ -2699,7 +2721,7 @@
           <p:cNvPr id="7" name="Slide Number Placeholder 6">
             <a:extLst>
               <a:ext uri="{FF2B5EF4-FFF2-40B4-BE49-F238E27FC236}">
-                <a16:creationId xmlns:a16="http://schemas.microsoft.com/office/drawing/2014/main" id="{3EEC1EB5-010F-4136-4DB5-BEB708816360}"/>
+                <a16:creationId xmlns:a16="http://schemas.microsoft.com/office/drawing/2014/main" xmlns="" id="{3EEC1EB5-010F-4136-4DB5-BEB708816360}"/>
               </a:ext>
             </a:extLst>
           </p:cNvPr>
@@ -2717,6 +2739,7 @@
           <a:p>
             <a:fld id="{5A67D6BD-999F-422A-8CE5-B14A89CBDFF1}" type="slidenum">
               <a:rPr lang="en-US" smtClean="0"/>
+              <a:pPr/>
               <a:t>‹#›</a:t>
             </a:fld>
             <a:endParaRPr lang="en-US"/>
@@ -2726,7 +2749,7 @@
     </p:spTree>
     <p:extLst>
       <p:ext uri="{BB962C8B-B14F-4D97-AF65-F5344CB8AC3E}">
-        <p14:creationId xmlns:p14="http://schemas.microsoft.com/office/powerpoint/2010/main" val="1703404462"/>
+        <p14:creationId xmlns:p14="http://schemas.microsoft.com/office/powerpoint/2010/main" xmlns="" val="1703404462"/>
       </p:ext>
     </p:extLst>
   </p:cSld>
@@ -2763,7 +2786,7 @@
           <p:cNvPr id="2" name="Title Placeholder 1">
             <a:extLst>
               <a:ext uri="{FF2B5EF4-FFF2-40B4-BE49-F238E27FC236}">
-                <a16:creationId xmlns:a16="http://schemas.microsoft.com/office/drawing/2014/main" id="{76D959BD-517D-0926-C3FF-3AD07280036B}"/>
+                <a16:creationId xmlns:a16="http://schemas.microsoft.com/office/drawing/2014/main" xmlns="" id="{76D959BD-517D-0926-C3FF-3AD07280036B}"/>
               </a:ext>
             </a:extLst>
           </p:cNvPr>
@@ -2801,7 +2824,7 @@
           <p:cNvPr id="3" name="Text Placeholder 2">
             <a:extLst>
               <a:ext uri="{FF2B5EF4-FFF2-40B4-BE49-F238E27FC236}">
-                <a16:creationId xmlns:a16="http://schemas.microsoft.com/office/drawing/2014/main" id="{001B438E-7AD9-4153-DFBE-79C2410C7EA4}"/>
+                <a16:creationId xmlns:a16="http://schemas.microsoft.com/office/drawing/2014/main" xmlns="" id="{001B438E-7AD9-4153-DFBE-79C2410C7EA4}"/>
               </a:ext>
             </a:extLst>
           </p:cNvPr>
@@ -2868,7 +2891,7 @@
           <p:cNvPr id="4" name="Date Placeholder 3">
             <a:extLst>
               <a:ext uri="{FF2B5EF4-FFF2-40B4-BE49-F238E27FC236}">
-                <a16:creationId xmlns:a16="http://schemas.microsoft.com/office/drawing/2014/main" id="{7B6F19F1-41AD-A199-46E8-6B5823C1078B}"/>
+                <a16:creationId xmlns:a16="http://schemas.microsoft.com/office/drawing/2014/main" xmlns="" id="{7B6F19F1-41AD-A199-46E8-6B5823C1078B}"/>
               </a:ext>
             </a:extLst>
           </p:cNvPr>
@@ -2904,6 +2927,7 @@
           <a:p>
             <a:fld id="{6130A597-3FC2-40BC-90E4-45272B4FD30A}" type="datetimeFigureOut">
               <a:rPr lang="en-US" smtClean="0"/>
+              <a:pPr/>
               <a:t>6/9/2023</a:t>
             </a:fld>
             <a:endParaRPr lang="en-US"/>
@@ -2915,7 +2939,7 @@
           <p:cNvPr id="5" name="Footer Placeholder 4">
             <a:extLst>
               <a:ext uri="{FF2B5EF4-FFF2-40B4-BE49-F238E27FC236}">
-                <a16:creationId xmlns:a16="http://schemas.microsoft.com/office/drawing/2014/main" id="{37AE0B53-A5FB-4BFF-F91E-A3F3F205E46A}"/>
+                <a16:creationId xmlns:a16="http://schemas.microsoft.com/office/drawing/2014/main" xmlns="" id="{37AE0B53-A5FB-4BFF-F91E-A3F3F205E46A}"/>
               </a:ext>
             </a:extLst>
           </p:cNvPr>
@@ -2958,7 +2982,7 @@
           <p:cNvPr id="6" name="Slide Number Placeholder 5">
             <a:extLst>
               <a:ext uri="{FF2B5EF4-FFF2-40B4-BE49-F238E27FC236}">
-                <a16:creationId xmlns:a16="http://schemas.microsoft.com/office/drawing/2014/main" id="{D1CB5752-1CA8-0D25-9A99-471EE3267815}"/>
+                <a16:creationId xmlns:a16="http://schemas.microsoft.com/office/drawing/2014/main" xmlns="" id="{D1CB5752-1CA8-0D25-9A99-471EE3267815}"/>
               </a:ext>
             </a:extLst>
           </p:cNvPr>
@@ -2994,6 +3018,7 @@
           <a:p>
             <a:fld id="{5A67D6BD-999F-422A-8CE5-B14A89CBDFF1}" type="slidenum">
               <a:rPr lang="en-US" smtClean="0"/>
+              <a:pPr/>
               <a:t>‹#›</a:t>
             </a:fld>
             <a:endParaRPr lang="en-US"/>
@@ -3003,7 +3028,7 @@
     </p:spTree>
     <p:extLst>
       <p:ext uri="{BB962C8B-B14F-4D97-AF65-F5344CB8AC3E}">
-        <p14:creationId xmlns:p14="http://schemas.microsoft.com/office/powerpoint/2010/main" val="3142033799"/>
+        <p14:creationId xmlns:p14="http://schemas.microsoft.com/office/powerpoint/2010/main" xmlns="" val="3142033799"/>
       </p:ext>
     </p:extLst>
   </p:cSld>
@@ -3326,7 +3351,7 @@
           <p:cNvPr id="18" name="TextBox 17">
             <a:extLst>
               <a:ext uri="{FF2B5EF4-FFF2-40B4-BE49-F238E27FC236}">
-                <a16:creationId xmlns:a16="http://schemas.microsoft.com/office/drawing/2014/main" id="{7913E2E8-7568-3ECF-D37C-510E3475C25E}"/>
+                <a16:creationId xmlns:a16="http://schemas.microsoft.com/office/drawing/2014/main" xmlns="" id="{7913E2E8-7568-3ECF-D37C-510E3475C25E}"/>
               </a:ext>
             </a:extLst>
           </p:cNvPr>
@@ -3375,7 +3400,7 @@
           <p:cNvPr id="38" name="Rectangle 37">
             <a:extLst>
               <a:ext uri="{FF2B5EF4-FFF2-40B4-BE49-F238E27FC236}">
-                <a16:creationId xmlns:a16="http://schemas.microsoft.com/office/drawing/2014/main" id="{FBD8C6FA-3B23-E4FC-EF56-E6FB577B4765}"/>
+                <a16:creationId xmlns:a16="http://schemas.microsoft.com/office/drawing/2014/main" xmlns="" id="{FBD8C6FA-3B23-E4FC-EF56-E6FB577B4765}"/>
               </a:ext>
             </a:extLst>
           </p:cNvPr>
@@ -3384,7 +3409,7 @@
         </p:nvSpPr>
         <p:spPr>
           <a:xfrm>
-            <a:off x="4368843" y="2902144"/>
+            <a:off x="7690381" y="2581713"/>
             <a:ext cx="729842" cy="1608521"/>
           </a:xfrm>
           <a:prstGeom prst="rect">
@@ -3427,7 +3452,7 @@
           <p:cNvPr id="15" name="Picture 14">
             <a:extLst>
               <a:ext uri="{FF2B5EF4-FFF2-40B4-BE49-F238E27FC236}">
-                <a16:creationId xmlns:a16="http://schemas.microsoft.com/office/drawing/2014/main" id="{1D15123B-5028-7AA8-2944-9F2594D34B4A}"/>
+                <a16:creationId xmlns:a16="http://schemas.microsoft.com/office/drawing/2014/main" xmlns="" id="{1D15123B-5028-7AA8-2944-9F2594D34B4A}"/>
               </a:ext>
             </a:extLst>
           </p:cNvPr>
@@ -3437,7 +3462,7 @@
           <p:nvPr/>
         </p:nvPicPr>
         <p:blipFill>
-          <a:blip r:embed="rId2"/>
+          <a:blip r:embed="rId2" cstate="print"/>
           <a:stretch>
             <a:fillRect/>
           </a:stretch>
@@ -3457,7 +3482,7 @@
           <p:cNvPr id="17" name="Picture 16">
             <a:extLst>
               <a:ext uri="{FF2B5EF4-FFF2-40B4-BE49-F238E27FC236}">
-                <a16:creationId xmlns:a16="http://schemas.microsoft.com/office/drawing/2014/main" id="{5ED7D9FB-3513-739A-D49F-30814ADF152E}"/>
+                <a16:creationId xmlns:a16="http://schemas.microsoft.com/office/drawing/2014/main" xmlns="" id="{5ED7D9FB-3513-739A-D49F-30814ADF152E}"/>
               </a:ext>
             </a:extLst>
           </p:cNvPr>
@@ -3467,7 +3492,7 @@
           <p:nvPr/>
         </p:nvPicPr>
         <p:blipFill>
-          <a:blip r:embed="rId2"/>
+          <a:blip r:embed="rId2" cstate="print"/>
           <a:stretch>
             <a:fillRect/>
           </a:stretch>
@@ -3487,7 +3512,7 @@
           <p:cNvPr id="19" name="Picture 18">
             <a:extLst>
               <a:ext uri="{FF2B5EF4-FFF2-40B4-BE49-F238E27FC236}">
-                <a16:creationId xmlns:a16="http://schemas.microsoft.com/office/drawing/2014/main" id="{1C553AB4-AFAD-AC62-489D-A4D3D3FA04E6}"/>
+                <a16:creationId xmlns:a16="http://schemas.microsoft.com/office/drawing/2014/main" xmlns="" id="{1C553AB4-AFAD-AC62-489D-A4D3D3FA04E6}"/>
               </a:ext>
             </a:extLst>
           </p:cNvPr>
@@ -3497,7 +3522,7 @@
           <p:nvPr/>
         </p:nvPicPr>
         <p:blipFill>
-          <a:blip r:embed="rId2"/>
+          <a:blip r:embed="rId2" cstate="print"/>
           <a:stretch>
             <a:fillRect/>
           </a:stretch>
@@ -3517,7 +3542,7 @@
           <p:cNvPr id="21" name="Picture 20">
             <a:extLst>
               <a:ext uri="{FF2B5EF4-FFF2-40B4-BE49-F238E27FC236}">
-                <a16:creationId xmlns:a16="http://schemas.microsoft.com/office/drawing/2014/main" id="{A5DFEEE4-978A-1CD0-1C93-36373A0F86A2}"/>
+                <a16:creationId xmlns:a16="http://schemas.microsoft.com/office/drawing/2014/main" xmlns="" id="{A5DFEEE4-978A-1CD0-1C93-36373A0F86A2}"/>
               </a:ext>
             </a:extLst>
           </p:cNvPr>
@@ -3527,7 +3552,7 @@
           <p:nvPr/>
         </p:nvPicPr>
         <p:blipFill>
-          <a:blip r:embed="rId2"/>
+          <a:blip r:embed="rId2" cstate="print"/>
           <a:stretch>
             <a:fillRect/>
           </a:stretch>
@@ -3547,7 +3572,7 @@
           <p:cNvPr id="12" name="TextBox 11">
             <a:extLst>
               <a:ext uri="{FF2B5EF4-FFF2-40B4-BE49-F238E27FC236}">
-                <a16:creationId xmlns:a16="http://schemas.microsoft.com/office/drawing/2014/main" id="{7D870BC3-2F4C-AA03-ED63-26CF3F6D7960}"/>
+                <a16:creationId xmlns:a16="http://schemas.microsoft.com/office/drawing/2014/main" xmlns="" id="{7D870BC3-2F4C-AA03-ED63-26CF3F6D7960}"/>
               </a:ext>
             </a:extLst>
           </p:cNvPr>
@@ -3587,7 +3612,7 @@
           <p:cNvPr id="16" name="TextBox 15">
             <a:extLst>
               <a:ext uri="{FF2B5EF4-FFF2-40B4-BE49-F238E27FC236}">
-                <a16:creationId xmlns:a16="http://schemas.microsoft.com/office/drawing/2014/main" id="{895B40AD-9803-43B2-8C15-4395324AE138}"/>
+                <a16:creationId xmlns:a16="http://schemas.microsoft.com/office/drawing/2014/main" xmlns="" id="{895B40AD-9803-43B2-8C15-4395324AE138}"/>
               </a:ext>
             </a:extLst>
           </p:cNvPr>
@@ -3627,7 +3652,7 @@
           <p:cNvPr id="20" name="TextBox 19">
             <a:extLst>
               <a:ext uri="{FF2B5EF4-FFF2-40B4-BE49-F238E27FC236}">
-                <a16:creationId xmlns:a16="http://schemas.microsoft.com/office/drawing/2014/main" id="{35D205F7-B28B-F539-B057-3C3CE9783000}"/>
+                <a16:creationId xmlns:a16="http://schemas.microsoft.com/office/drawing/2014/main" xmlns="" id="{35D205F7-B28B-F539-B057-3C3CE9783000}"/>
               </a:ext>
             </a:extLst>
           </p:cNvPr>
@@ -3655,7 +3680,7 @@
                 <a:solidFill>
                   <a:srgbClr val="72D033"/>
                 </a:solidFill>
-                <a:latin typeface="Bauhaus 93" panose="04030905020B02020C02" pitchFamily="82" charset="0"/>
+                <a:latin typeface="Haettenschweiler" pitchFamily="34" charset="0"/>
               </a:rPr>
               <a:t>Garden</a:t>
             </a:r>
@@ -3664,7 +3689,7 @@
                 <a:solidFill>
                   <a:srgbClr val="019CE7"/>
                 </a:solidFill>
-                <a:latin typeface="Bauhaus 93" panose="04030905020B02020C02" pitchFamily="82" charset="0"/>
+                <a:latin typeface="Haettenschweiler" pitchFamily="34" charset="0"/>
               </a:rPr>
               <a:t>TEK</a:t>
             </a:r>
@@ -3676,7 +3701,7 @@
           <p:cNvPr id="23" name="Picture 22" descr="A green and blue leaf&#10;&#10;Description automatically generated with low confidence">
             <a:extLst>
               <a:ext uri="{FF2B5EF4-FFF2-40B4-BE49-F238E27FC236}">
-                <a16:creationId xmlns:a16="http://schemas.microsoft.com/office/drawing/2014/main" id="{2627F177-8D04-BFE1-7482-1138449BCDFB}"/>
+                <a16:creationId xmlns:a16="http://schemas.microsoft.com/office/drawing/2014/main" xmlns="" id="{2627F177-8D04-BFE1-7482-1138449BCDFB}"/>
               </a:ext>
             </a:extLst>
           </p:cNvPr>
@@ -3686,10 +3711,10 @@
           <p:nvPr/>
         </p:nvPicPr>
         <p:blipFill>
-          <a:blip r:embed="rId3">
+          <a:blip r:embed="rId3" cstate="print">
             <a:extLst>
               <a:ext uri="{28A0092B-C50C-407E-A947-70E740481C1C}">
-                <a14:useLocalDpi xmlns:a14="http://schemas.microsoft.com/office/drawing/2010/main" val="0"/>
+                <a14:useLocalDpi xmlns:a14="http://schemas.microsoft.com/office/drawing/2010/main" xmlns="" val="0"/>
               </a:ext>
             </a:extLst>
           </a:blip>
@@ -3698,9 +3723,9 @@
           </a:stretch>
         </p:blipFill>
         <p:spPr>
-          <a:xfrm>
-            <a:off x="7972724" y="333554"/>
-            <a:ext cx="1132209" cy="1132209"/>
+          <a:xfrm rot="3706407">
+            <a:off x="10037113" y="448105"/>
+            <a:ext cx="737164" cy="737164"/>
           </a:xfrm>
           <a:prstGeom prst="rect">
             <a:avLst/>
@@ -3712,7 +3737,7 @@
           <p:cNvPr id="25" name="Picture 24" descr="A green leaf with black background&#10;&#10;Description automatically generated with low confidence">
             <a:extLst>
               <a:ext uri="{FF2B5EF4-FFF2-40B4-BE49-F238E27FC236}">
-                <a16:creationId xmlns:a16="http://schemas.microsoft.com/office/drawing/2014/main" id="{8700B874-DFEA-96E7-BCA8-9EBB87A990FC}"/>
+                <a16:creationId xmlns:a16="http://schemas.microsoft.com/office/drawing/2014/main" xmlns="" id="{8700B874-DFEA-96E7-BCA8-9EBB87A990FC}"/>
               </a:ext>
             </a:extLst>
           </p:cNvPr>
@@ -3722,10 +3747,10 @@
           <p:nvPr/>
         </p:nvPicPr>
         <p:blipFill>
-          <a:blip r:embed="rId4">
+          <a:blip r:embed="rId4" cstate="print">
             <a:extLst>
               <a:ext uri="{28A0092B-C50C-407E-A947-70E740481C1C}">
-                <a14:useLocalDpi xmlns:a14="http://schemas.microsoft.com/office/drawing/2010/main" val="0"/>
+                <a14:useLocalDpi xmlns:a14="http://schemas.microsoft.com/office/drawing/2010/main" xmlns="" val="0"/>
               </a:ext>
             </a:extLst>
           </a:blip>
@@ -3734,9 +3759,9 @@
           </a:stretch>
         </p:blipFill>
         <p:spPr>
-          <a:xfrm rot="824524">
-            <a:off x="10650948" y="2575361"/>
-            <a:ext cx="381023" cy="506053"/>
+          <a:xfrm rot="18881273">
+            <a:off x="5719627" y="3387866"/>
+            <a:ext cx="221241" cy="206044"/>
           </a:xfrm>
           <a:prstGeom prst="rect">
             <a:avLst/>
@@ -3748,7 +3773,7 @@
           <p:cNvPr id="27" name="Picture 26" descr="A picture containing plant, leaf&#10;&#10;Description automatically generated">
             <a:extLst>
               <a:ext uri="{FF2B5EF4-FFF2-40B4-BE49-F238E27FC236}">
-                <a16:creationId xmlns:a16="http://schemas.microsoft.com/office/drawing/2014/main" id="{EA1C33ED-C621-42EE-3A66-9789704BF50E}"/>
+                <a16:creationId xmlns:a16="http://schemas.microsoft.com/office/drawing/2014/main" xmlns="" id="{EA1C33ED-C621-42EE-3A66-9789704BF50E}"/>
               </a:ext>
             </a:extLst>
           </p:cNvPr>
@@ -3758,10 +3783,10 @@
           <p:nvPr/>
         </p:nvPicPr>
         <p:blipFill>
-          <a:blip r:embed="rId5">
+          <a:blip r:embed="rId5" cstate="print">
             <a:extLst>
               <a:ext uri="{28A0092B-C50C-407E-A947-70E740481C1C}">
-                <a14:useLocalDpi xmlns:a14="http://schemas.microsoft.com/office/drawing/2010/main" val="0"/>
+                <a14:useLocalDpi xmlns:a14="http://schemas.microsoft.com/office/drawing/2010/main" xmlns="" val="0"/>
               </a:ext>
             </a:extLst>
           </a:blip>
@@ -3771,7 +3796,7 @@
         </p:blipFill>
         <p:spPr>
           <a:xfrm>
-            <a:off x="9846571" y="1602979"/>
+            <a:off x="8283493" y="1220026"/>
             <a:ext cx="934368" cy="934368"/>
           </a:xfrm>
           <a:prstGeom prst="rect">
@@ -3784,7 +3809,7 @@
           <p:cNvPr id="29" name="Picture 28" descr="A picture containing cartoon, design&#10;&#10;Description automatically generated with low confidence">
             <a:extLst>
               <a:ext uri="{FF2B5EF4-FFF2-40B4-BE49-F238E27FC236}">
-                <a16:creationId xmlns:a16="http://schemas.microsoft.com/office/drawing/2014/main" id="{861C6CF8-52AD-FCBD-3961-87606D473C2E}"/>
+                <a16:creationId xmlns:a16="http://schemas.microsoft.com/office/drawing/2014/main" xmlns="" id="{861C6CF8-52AD-FCBD-3961-87606D473C2E}"/>
               </a:ext>
             </a:extLst>
           </p:cNvPr>
@@ -3794,10 +3819,10 @@
           <p:nvPr/>
         </p:nvPicPr>
         <p:blipFill>
-          <a:blip r:embed="rId6">
+          <a:blip r:embed="rId6" cstate="print">
             <a:extLst>
               <a:ext uri="{28A0092B-C50C-407E-A947-70E740481C1C}">
-                <a14:useLocalDpi xmlns:a14="http://schemas.microsoft.com/office/drawing/2010/main" val="0"/>
+                <a14:useLocalDpi xmlns:a14="http://schemas.microsoft.com/office/drawing/2010/main" xmlns="" val="0"/>
               </a:ext>
             </a:extLst>
           </a:blip>
@@ -3807,7 +3832,7 @@
         </p:blipFill>
         <p:spPr>
           <a:xfrm>
-            <a:off x="9629426" y="3061423"/>
+            <a:off x="9856072" y="1467085"/>
             <a:ext cx="1115431" cy="1115431"/>
           </a:xfrm>
           <a:prstGeom prst="rect">
@@ -3820,7 +3845,7 @@
           <p:cNvPr id="31" name="Picture 30" descr="A picture containing green, plant&#10;&#10;Description automatically generated">
             <a:extLst>
               <a:ext uri="{FF2B5EF4-FFF2-40B4-BE49-F238E27FC236}">
-                <a16:creationId xmlns:a16="http://schemas.microsoft.com/office/drawing/2014/main" id="{A6394BDC-645B-4F73-4FE4-754A317C2543}"/>
+                <a16:creationId xmlns:a16="http://schemas.microsoft.com/office/drawing/2014/main" xmlns="" id="{A6394BDC-645B-4F73-4FE4-754A317C2543}"/>
               </a:ext>
             </a:extLst>
           </p:cNvPr>
@@ -3830,10 +3855,10 @@
           <p:nvPr/>
         </p:nvPicPr>
         <p:blipFill>
-          <a:blip r:embed="rId7">
+          <a:blip r:embed="rId7" cstate="print">
             <a:extLst>
               <a:ext uri="{28A0092B-C50C-407E-A947-70E740481C1C}">
-                <a14:useLocalDpi xmlns:a14="http://schemas.microsoft.com/office/drawing/2010/main" val="0"/>
+                <a14:useLocalDpi xmlns:a14="http://schemas.microsoft.com/office/drawing/2010/main" xmlns="" val="0"/>
               </a:ext>
             </a:extLst>
           </a:blip>
@@ -3856,7 +3881,7 @@
           <p:cNvPr id="33" name="Picture 32" descr="A green leaf with black background&#10;&#10;Description automatically generated with medium confidence">
             <a:extLst>
               <a:ext uri="{FF2B5EF4-FFF2-40B4-BE49-F238E27FC236}">
-                <a16:creationId xmlns:a16="http://schemas.microsoft.com/office/drawing/2014/main" id="{626C168B-120C-A8C9-2F95-E9928484D01A}"/>
+                <a16:creationId xmlns:a16="http://schemas.microsoft.com/office/drawing/2014/main" xmlns="" id="{626C168B-120C-A8C9-2F95-E9928484D01A}"/>
               </a:ext>
             </a:extLst>
           </p:cNvPr>
@@ -3866,10 +3891,10 @@
           <p:nvPr/>
         </p:nvPicPr>
         <p:blipFill>
-          <a:blip r:embed="rId8">
+          <a:blip r:embed="rId8" cstate="print">
             <a:extLst>
               <a:ext uri="{28A0092B-C50C-407E-A947-70E740481C1C}">
-                <a14:useLocalDpi xmlns:a14="http://schemas.microsoft.com/office/drawing/2010/main" val="0"/>
+                <a14:useLocalDpi xmlns:a14="http://schemas.microsoft.com/office/drawing/2010/main" xmlns="" val="0"/>
               </a:ext>
             </a:extLst>
           </a:blip>
@@ -3878,9 +3903,9 @@
           </a:stretch>
         </p:blipFill>
         <p:spPr>
-          <a:xfrm rot="895941">
-            <a:off x="8549212" y="3247369"/>
-            <a:ext cx="261300" cy="437322"/>
+          <a:xfrm rot="3238545">
+            <a:off x="7527374" y="4414291"/>
+            <a:ext cx="458098" cy="541074"/>
           </a:xfrm>
           <a:prstGeom prst="rect">
             <a:avLst/>
@@ -3892,7 +3917,7 @@
           <p:cNvPr id="35" name="Picture 34" descr="A green leaves on a black background&#10;&#10;Description automatically generated with medium confidence">
             <a:extLst>
               <a:ext uri="{FF2B5EF4-FFF2-40B4-BE49-F238E27FC236}">
-                <a16:creationId xmlns:a16="http://schemas.microsoft.com/office/drawing/2014/main" id="{F0B77A90-0870-65B4-C74A-C2FFCB428E6A}"/>
+                <a16:creationId xmlns:a16="http://schemas.microsoft.com/office/drawing/2014/main" xmlns="" id="{F0B77A90-0870-65B4-C74A-C2FFCB428E6A}"/>
               </a:ext>
             </a:extLst>
           </p:cNvPr>
@@ -3902,10 +3927,10 @@
           <p:nvPr/>
         </p:nvPicPr>
         <p:blipFill>
-          <a:blip r:embed="rId9">
+          <a:blip r:embed="rId9" cstate="print">
             <a:extLst>
               <a:ext uri="{28A0092B-C50C-407E-A947-70E740481C1C}">
-                <a14:useLocalDpi xmlns:a14="http://schemas.microsoft.com/office/drawing/2010/main" val="0"/>
+                <a14:useLocalDpi xmlns:a14="http://schemas.microsoft.com/office/drawing/2010/main" xmlns="" val="0"/>
               </a:ext>
             </a:extLst>
           </a:blip>
@@ -3915,7 +3940,7 @@
         </p:blipFill>
         <p:spPr>
           <a:xfrm rot="6105031">
-            <a:off x="8774740" y="4209074"/>
+            <a:off x="9376522" y="1575289"/>
             <a:ext cx="660386" cy="730969"/>
           </a:xfrm>
           <a:prstGeom prst="rect">
@@ -3928,7 +3953,7 @@
           <p:cNvPr id="37" name="Straight Connector 36">
             <a:extLst>
               <a:ext uri="{FF2B5EF4-FFF2-40B4-BE49-F238E27FC236}">
-                <a16:creationId xmlns:a16="http://schemas.microsoft.com/office/drawing/2014/main" id="{AD214C0E-3E39-0E34-D4FD-C5B96AC67386}"/>
+                <a16:creationId xmlns:a16="http://schemas.microsoft.com/office/drawing/2014/main" xmlns="" id="{AD214C0E-3E39-0E34-D4FD-C5B96AC67386}"/>
               </a:ext>
             </a:extLst>
           </p:cNvPr>
@@ -3937,7 +3962,7 @@
         </p:nvCxnSpPr>
         <p:spPr>
           <a:xfrm>
-            <a:off x="9629426" y="3816842"/>
+            <a:off x="11176872" y="706319"/>
             <a:ext cx="0" cy="1404425"/>
           </a:xfrm>
           <a:prstGeom prst="line">
@@ -3962,9 +3987,98 @@
     </p:spTree>
     <p:extLst>
       <p:ext uri="{BB962C8B-B14F-4D97-AF65-F5344CB8AC3E}">
-        <p14:creationId xmlns:p14="http://schemas.microsoft.com/office/powerpoint/2010/main" val="1349903916"/>
+        <p14:creationId xmlns:p14="http://schemas.microsoft.com/office/powerpoint/2010/main" xmlns="" val="1349903916"/>
       </p:ext>
     </p:extLst>
+  </p:cSld>
+  <p:clrMapOvr>
+    <a:masterClrMapping/>
+  </p:clrMapOvr>
+</p:sld>
+</file>
+
+<file path=ppt/slides/slide2.xml><?xml version="1.0" encoding="utf-8"?>
+<p:sld xmlns:a="http://schemas.openxmlformats.org/drawingml/2006/main" xmlns:r="http://schemas.openxmlformats.org/officeDocument/2006/relationships" xmlns:p="http://schemas.openxmlformats.org/presentationml/2006/main">
+  <p:cSld>
+    <p:spTree>
+      <p:nvGrpSpPr>
+        <p:cNvPr id="1" name=""/>
+        <p:cNvGrpSpPr/>
+        <p:nvPr/>
+      </p:nvGrpSpPr>
+      <p:grpSpPr>
+        <a:xfrm>
+          <a:off x="0" y="0"/>
+          <a:ext cx="0" cy="0"/>
+          <a:chOff x="0" y="0"/>
+          <a:chExt cx="0" cy="0"/>
+        </a:xfrm>
+      </p:grpSpPr>
+      <p:pic>
+        <p:nvPicPr>
+          <p:cNvPr id="4" name="Picture 2"/>
+          <p:cNvPicPr>
+            <a:picLocks noChangeAspect="1" noChangeArrowheads="1"/>
+          </p:cNvPicPr>
+          <p:nvPr/>
+        </p:nvPicPr>
+        <p:blipFill>
+          <a:blip r:embed="rId2" cstate="print"/>
+          <a:srcRect/>
+          <a:stretch>
+            <a:fillRect/>
+          </a:stretch>
+        </p:blipFill>
+        <p:spPr bwMode="auto">
+          <a:xfrm>
+            <a:off x="1913134" y="679938"/>
+            <a:ext cx="3109961" cy="3167553"/>
+          </a:xfrm>
+          <a:prstGeom prst="rect">
+            <a:avLst/>
+          </a:prstGeom>
+          <a:noFill/>
+          <a:ln w="9525">
+            <a:noFill/>
+            <a:miter lim="800000"/>
+            <a:headEnd/>
+            <a:tailEnd/>
+          </a:ln>
+        </p:spPr>
+      </p:pic>
+      <p:pic>
+        <p:nvPicPr>
+          <p:cNvPr id="5" name="Picture 3"/>
+          <p:cNvPicPr>
+            <a:picLocks noChangeAspect="1" noChangeArrowheads="1"/>
+          </p:cNvPicPr>
+          <p:nvPr/>
+        </p:nvPicPr>
+        <p:blipFill>
+          <a:blip r:embed="rId3" cstate="print"/>
+          <a:srcRect/>
+          <a:stretch>
+            <a:fillRect/>
+          </a:stretch>
+        </p:blipFill>
+        <p:spPr bwMode="auto">
+          <a:xfrm>
+            <a:off x="5955811" y="2114108"/>
+            <a:ext cx="1578219" cy="1597466"/>
+          </a:xfrm>
+          <a:prstGeom prst="rect">
+            <a:avLst/>
+          </a:prstGeom>
+          <a:noFill/>
+          <a:ln w="9525">
+            <a:noFill/>
+            <a:miter lim="800000"/>
+            <a:headEnd/>
+            <a:tailEnd/>
+          </a:ln>
+        </p:spPr>
+      </p:pic>
+    </p:spTree>
   </p:cSld>
   <p:clrMapOvr>
     <a:masterClrMapping/>
@@ -4015,7 +4129,7 @@
     </a:clrScheme>
     <a:fontScheme name="Office">
       <a:majorFont>
-        <a:latin typeface="Calibri Light" panose="020F0302020204030204"/>
+        <a:latin typeface="Calibri Light"/>
         <a:ea typeface=""/>
         <a:cs typeface=""/>
         <a:font script="Jpan" typeface="游ゴシック Light"/>
@@ -4067,7 +4181,7 @@
         <a:font script="Tfng" typeface="Ebrima"/>
       </a:majorFont>
       <a:minorFont>
-        <a:latin typeface="Calibri" panose="020F0502020204030204"/>
+        <a:latin typeface="Calibri"/>
         <a:ea typeface=""/>
         <a:cs typeface=""/>
         <a:font script="Jpan" typeface="游ゴシック"/>
@@ -4261,7 +4375,7 @@
   <a:extraClrSchemeLst/>
   <a:extLst>
     <a:ext uri="{05A4C25C-085E-4340-85A3-A5531E510DB2}">
-      <thm15:themeFamily xmlns:thm15="http://schemas.microsoft.com/office/thememl/2012/main" name="Office Theme" id="{62F939B6-93AF-4DB8-9C6B-D6C7DFDC589F}" vid="{4A3C46E8-61CC-4603-A589-7422A47A8E4A}"/>
+      <thm15:themeFamily xmlns:thm15="http://schemas.microsoft.com/office/thememl/2012/main" xmlns="" name="Office Theme" id="{62F939B6-93AF-4DB8-9C6B-D6C7DFDC589F}" vid="{4A3C46E8-61CC-4603-A589-7422A47A8E4A}"/>
     </a:ext>
   </a:extLst>
 </a:theme>

--- a/Presentation1.pptx
+++ b/Presentation1.pptx
@@ -130,7 +130,7 @@
           <p:cNvPr id="2" name="Title 1">
             <a:extLst>
               <a:ext uri="{FF2B5EF4-FFF2-40B4-BE49-F238E27FC236}">
-                <a16:creationId xmlns:a16="http://schemas.microsoft.com/office/drawing/2014/main" xmlns="" id="{9EB183A2-4E11-F67D-205C-CC5ADF25C4F5}"/>
+                <a16:creationId xmlns="" xmlns:a16="http://schemas.microsoft.com/office/drawing/2014/main" id="{9EB183A2-4E11-F67D-205C-CC5ADF25C4F5}"/>
               </a:ext>
             </a:extLst>
           </p:cNvPr>
@@ -167,7 +167,7 @@
           <p:cNvPr id="3" name="Subtitle 2">
             <a:extLst>
               <a:ext uri="{FF2B5EF4-FFF2-40B4-BE49-F238E27FC236}">
-                <a16:creationId xmlns:a16="http://schemas.microsoft.com/office/drawing/2014/main" xmlns="" id="{35DBD675-7A56-8F97-B016-3020027EB345}"/>
+                <a16:creationId xmlns="" xmlns:a16="http://schemas.microsoft.com/office/drawing/2014/main" id="{35DBD675-7A56-8F97-B016-3020027EB345}"/>
               </a:ext>
             </a:extLst>
           </p:cNvPr>
@@ -237,7 +237,7 @@
           <p:cNvPr id="4" name="Date Placeholder 3">
             <a:extLst>
               <a:ext uri="{FF2B5EF4-FFF2-40B4-BE49-F238E27FC236}">
-                <a16:creationId xmlns:a16="http://schemas.microsoft.com/office/drawing/2014/main" xmlns="" id="{91042889-51D6-96E5-6FE4-851F61BD2405}"/>
+                <a16:creationId xmlns="" xmlns:a16="http://schemas.microsoft.com/office/drawing/2014/main" id="{91042889-51D6-96E5-6FE4-851F61BD2405}"/>
               </a:ext>
             </a:extLst>
           </p:cNvPr>
@@ -256,7 +256,7 @@
             <a:fld id="{6130A597-3FC2-40BC-90E4-45272B4FD30A}" type="datetimeFigureOut">
               <a:rPr lang="en-US" smtClean="0"/>
               <a:pPr/>
-              <a:t>6/9/2023</a:t>
+              <a:t>6/12/2023</a:t>
             </a:fld>
             <a:endParaRPr lang="en-US"/>
           </a:p>
@@ -267,7 +267,7 @@
           <p:cNvPr id="5" name="Footer Placeholder 4">
             <a:extLst>
               <a:ext uri="{FF2B5EF4-FFF2-40B4-BE49-F238E27FC236}">
-                <a16:creationId xmlns:a16="http://schemas.microsoft.com/office/drawing/2014/main" xmlns="" id="{AC026C5B-6368-8D77-5C00-5397A29C8783}"/>
+                <a16:creationId xmlns="" xmlns:a16="http://schemas.microsoft.com/office/drawing/2014/main" id="{AC026C5B-6368-8D77-5C00-5397A29C8783}"/>
               </a:ext>
             </a:extLst>
           </p:cNvPr>
@@ -292,7 +292,7 @@
           <p:cNvPr id="6" name="Slide Number Placeholder 5">
             <a:extLst>
               <a:ext uri="{FF2B5EF4-FFF2-40B4-BE49-F238E27FC236}">
-                <a16:creationId xmlns:a16="http://schemas.microsoft.com/office/drawing/2014/main" xmlns="" id="{4770D0F8-8558-AE36-66DD-D8DF602909E6}"/>
+                <a16:creationId xmlns="" xmlns:a16="http://schemas.microsoft.com/office/drawing/2014/main" id="{4770D0F8-8558-AE36-66DD-D8DF602909E6}"/>
               </a:ext>
             </a:extLst>
           </p:cNvPr>
@@ -320,7 +320,7 @@
     </p:spTree>
     <p:extLst>
       <p:ext uri="{BB962C8B-B14F-4D97-AF65-F5344CB8AC3E}">
-        <p14:creationId xmlns:p14="http://schemas.microsoft.com/office/powerpoint/2010/main" xmlns="" val="3934828480"/>
+        <p14:creationId xmlns="" xmlns:p14="http://schemas.microsoft.com/office/powerpoint/2010/main" val="3934828480"/>
       </p:ext>
     </p:extLst>
   </p:cSld>
@@ -352,7 +352,7 @@
           <p:cNvPr id="2" name="Title 1">
             <a:extLst>
               <a:ext uri="{FF2B5EF4-FFF2-40B4-BE49-F238E27FC236}">
-                <a16:creationId xmlns:a16="http://schemas.microsoft.com/office/drawing/2014/main" xmlns="" id="{8839F2FE-1C72-A96F-01BC-E68DE741A215}"/>
+                <a16:creationId xmlns="" xmlns:a16="http://schemas.microsoft.com/office/drawing/2014/main" id="{8839F2FE-1C72-A96F-01BC-E68DE741A215}"/>
               </a:ext>
             </a:extLst>
           </p:cNvPr>
@@ -380,7 +380,7 @@
           <p:cNvPr id="3" name="Vertical Text Placeholder 2">
             <a:extLst>
               <a:ext uri="{FF2B5EF4-FFF2-40B4-BE49-F238E27FC236}">
-                <a16:creationId xmlns:a16="http://schemas.microsoft.com/office/drawing/2014/main" xmlns="" id="{2B54A1D5-5836-38B2-1271-0F14E0D9FDFB}"/>
+                <a16:creationId xmlns="" xmlns:a16="http://schemas.microsoft.com/office/drawing/2014/main" id="{2B54A1D5-5836-38B2-1271-0F14E0D9FDFB}"/>
               </a:ext>
             </a:extLst>
           </p:cNvPr>
@@ -437,7 +437,7 @@
           <p:cNvPr id="4" name="Date Placeholder 3">
             <a:extLst>
               <a:ext uri="{FF2B5EF4-FFF2-40B4-BE49-F238E27FC236}">
-                <a16:creationId xmlns:a16="http://schemas.microsoft.com/office/drawing/2014/main" xmlns="" id="{02C08104-7F8F-7044-9348-E74C56372F59}"/>
+                <a16:creationId xmlns="" xmlns:a16="http://schemas.microsoft.com/office/drawing/2014/main" id="{02C08104-7F8F-7044-9348-E74C56372F59}"/>
               </a:ext>
             </a:extLst>
           </p:cNvPr>
@@ -456,7 +456,7 @@
             <a:fld id="{6130A597-3FC2-40BC-90E4-45272B4FD30A}" type="datetimeFigureOut">
               <a:rPr lang="en-US" smtClean="0"/>
               <a:pPr/>
-              <a:t>6/9/2023</a:t>
+              <a:t>6/12/2023</a:t>
             </a:fld>
             <a:endParaRPr lang="en-US"/>
           </a:p>
@@ -467,7 +467,7 @@
           <p:cNvPr id="5" name="Footer Placeholder 4">
             <a:extLst>
               <a:ext uri="{FF2B5EF4-FFF2-40B4-BE49-F238E27FC236}">
-                <a16:creationId xmlns:a16="http://schemas.microsoft.com/office/drawing/2014/main" xmlns="" id="{61CADDD6-FF59-0C84-E3E7-95946360CE34}"/>
+                <a16:creationId xmlns="" xmlns:a16="http://schemas.microsoft.com/office/drawing/2014/main" id="{61CADDD6-FF59-0C84-E3E7-95946360CE34}"/>
               </a:ext>
             </a:extLst>
           </p:cNvPr>
@@ -492,7 +492,7 @@
           <p:cNvPr id="6" name="Slide Number Placeholder 5">
             <a:extLst>
               <a:ext uri="{FF2B5EF4-FFF2-40B4-BE49-F238E27FC236}">
-                <a16:creationId xmlns:a16="http://schemas.microsoft.com/office/drawing/2014/main" xmlns="" id="{931A5A20-F8E3-DA2A-3021-6DD5833EE210}"/>
+                <a16:creationId xmlns="" xmlns:a16="http://schemas.microsoft.com/office/drawing/2014/main" id="{931A5A20-F8E3-DA2A-3021-6DD5833EE210}"/>
               </a:ext>
             </a:extLst>
           </p:cNvPr>
@@ -520,7 +520,7 @@
     </p:spTree>
     <p:extLst>
       <p:ext uri="{BB962C8B-B14F-4D97-AF65-F5344CB8AC3E}">
-        <p14:creationId xmlns:p14="http://schemas.microsoft.com/office/powerpoint/2010/main" xmlns="" val="689151028"/>
+        <p14:creationId xmlns="" xmlns:p14="http://schemas.microsoft.com/office/powerpoint/2010/main" val="689151028"/>
       </p:ext>
     </p:extLst>
   </p:cSld>
@@ -552,7 +552,7 @@
           <p:cNvPr id="2" name="Vertical Title 1">
             <a:extLst>
               <a:ext uri="{FF2B5EF4-FFF2-40B4-BE49-F238E27FC236}">
-                <a16:creationId xmlns:a16="http://schemas.microsoft.com/office/drawing/2014/main" xmlns="" id="{B39FA1C1-CF24-ED37-B8FC-EAED5BE1BB63}"/>
+                <a16:creationId xmlns="" xmlns:a16="http://schemas.microsoft.com/office/drawing/2014/main" id="{B39FA1C1-CF24-ED37-B8FC-EAED5BE1BB63}"/>
               </a:ext>
             </a:extLst>
           </p:cNvPr>
@@ -585,7 +585,7 @@
           <p:cNvPr id="3" name="Vertical Text Placeholder 2">
             <a:extLst>
               <a:ext uri="{FF2B5EF4-FFF2-40B4-BE49-F238E27FC236}">
-                <a16:creationId xmlns:a16="http://schemas.microsoft.com/office/drawing/2014/main" xmlns="" id="{C64E2F2C-CF83-1D3E-5C30-FC7F6BF0AF16}"/>
+                <a16:creationId xmlns="" xmlns:a16="http://schemas.microsoft.com/office/drawing/2014/main" id="{C64E2F2C-CF83-1D3E-5C30-FC7F6BF0AF16}"/>
               </a:ext>
             </a:extLst>
           </p:cNvPr>
@@ -647,7 +647,7 @@
           <p:cNvPr id="4" name="Date Placeholder 3">
             <a:extLst>
               <a:ext uri="{FF2B5EF4-FFF2-40B4-BE49-F238E27FC236}">
-                <a16:creationId xmlns:a16="http://schemas.microsoft.com/office/drawing/2014/main" xmlns="" id="{F5F76396-399F-633F-9EBC-2A4A7DA2B5F3}"/>
+                <a16:creationId xmlns="" xmlns:a16="http://schemas.microsoft.com/office/drawing/2014/main" id="{F5F76396-399F-633F-9EBC-2A4A7DA2B5F3}"/>
               </a:ext>
             </a:extLst>
           </p:cNvPr>
@@ -666,7 +666,7 @@
             <a:fld id="{6130A597-3FC2-40BC-90E4-45272B4FD30A}" type="datetimeFigureOut">
               <a:rPr lang="en-US" smtClean="0"/>
               <a:pPr/>
-              <a:t>6/9/2023</a:t>
+              <a:t>6/12/2023</a:t>
             </a:fld>
             <a:endParaRPr lang="en-US"/>
           </a:p>
@@ -677,7 +677,7 @@
           <p:cNvPr id="5" name="Footer Placeholder 4">
             <a:extLst>
               <a:ext uri="{FF2B5EF4-FFF2-40B4-BE49-F238E27FC236}">
-                <a16:creationId xmlns:a16="http://schemas.microsoft.com/office/drawing/2014/main" xmlns="" id="{1606D506-5CA5-369C-0822-B43D90E3351C}"/>
+                <a16:creationId xmlns="" xmlns:a16="http://schemas.microsoft.com/office/drawing/2014/main" id="{1606D506-5CA5-369C-0822-B43D90E3351C}"/>
               </a:ext>
             </a:extLst>
           </p:cNvPr>
@@ -702,7 +702,7 @@
           <p:cNvPr id="6" name="Slide Number Placeholder 5">
             <a:extLst>
               <a:ext uri="{FF2B5EF4-FFF2-40B4-BE49-F238E27FC236}">
-                <a16:creationId xmlns:a16="http://schemas.microsoft.com/office/drawing/2014/main" xmlns="" id="{08C02CF7-5E6C-9112-B98C-59CF5A3B2EEF}"/>
+                <a16:creationId xmlns="" xmlns:a16="http://schemas.microsoft.com/office/drawing/2014/main" id="{08C02CF7-5E6C-9112-B98C-59CF5A3B2EEF}"/>
               </a:ext>
             </a:extLst>
           </p:cNvPr>
@@ -730,7 +730,7 @@
     </p:spTree>
     <p:extLst>
       <p:ext uri="{BB962C8B-B14F-4D97-AF65-F5344CB8AC3E}">
-        <p14:creationId xmlns:p14="http://schemas.microsoft.com/office/powerpoint/2010/main" xmlns="" val="603406614"/>
+        <p14:creationId xmlns="" xmlns:p14="http://schemas.microsoft.com/office/powerpoint/2010/main" val="603406614"/>
       </p:ext>
     </p:extLst>
   </p:cSld>
@@ -762,7 +762,7 @@
           <p:cNvPr id="2" name="Title 1">
             <a:extLst>
               <a:ext uri="{FF2B5EF4-FFF2-40B4-BE49-F238E27FC236}">
-                <a16:creationId xmlns:a16="http://schemas.microsoft.com/office/drawing/2014/main" xmlns="" id="{930FC72F-F7E9-09F0-9BDF-EBF7AEFE3192}"/>
+                <a16:creationId xmlns="" xmlns:a16="http://schemas.microsoft.com/office/drawing/2014/main" id="{930FC72F-F7E9-09F0-9BDF-EBF7AEFE3192}"/>
               </a:ext>
             </a:extLst>
           </p:cNvPr>
@@ -790,7 +790,7 @@
           <p:cNvPr id="3" name="Content Placeholder 2">
             <a:extLst>
               <a:ext uri="{FF2B5EF4-FFF2-40B4-BE49-F238E27FC236}">
-                <a16:creationId xmlns:a16="http://schemas.microsoft.com/office/drawing/2014/main" xmlns="" id="{5EBA0A14-E2B8-D0F8-6078-0A66463877CA}"/>
+                <a16:creationId xmlns="" xmlns:a16="http://schemas.microsoft.com/office/drawing/2014/main" id="{5EBA0A14-E2B8-D0F8-6078-0A66463877CA}"/>
               </a:ext>
             </a:extLst>
           </p:cNvPr>
@@ -847,7 +847,7 @@
           <p:cNvPr id="4" name="Date Placeholder 3">
             <a:extLst>
               <a:ext uri="{FF2B5EF4-FFF2-40B4-BE49-F238E27FC236}">
-                <a16:creationId xmlns:a16="http://schemas.microsoft.com/office/drawing/2014/main" xmlns="" id="{8F870090-FBCA-638E-085F-6E47BF9FEAC9}"/>
+                <a16:creationId xmlns="" xmlns:a16="http://schemas.microsoft.com/office/drawing/2014/main" id="{8F870090-FBCA-638E-085F-6E47BF9FEAC9}"/>
               </a:ext>
             </a:extLst>
           </p:cNvPr>
@@ -866,7 +866,7 @@
             <a:fld id="{6130A597-3FC2-40BC-90E4-45272B4FD30A}" type="datetimeFigureOut">
               <a:rPr lang="en-US" smtClean="0"/>
               <a:pPr/>
-              <a:t>6/9/2023</a:t>
+              <a:t>6/12/2023</a:t>
             </a:fld>
             <a:endParaRPr lang="en-US"/>
           </a:p>
@@ -877,7 +877,7 @@
           <p:cNvPr id="5" name="Footer Placeholder 4">
             <a:extLst>
               <a:ext uri="{FF2B5EF4-FFF2-40B4-BE49-F238E27FC236}">
-                <a16:creationId xmlns:a16="http://schemas.microsoft.com/office/drawing/2014/main" xmlns="" id="{E72900C2-34D3-E313-64AD-ACD80F4817EB}"/>
+                <a16:creationId xmlns="" xmlns:a16="http://schemas.microsoft.com/office/drawing/2014/main" id="{E72900C2-34D3-E313-64AD-ACD80F4817EB}"/>
               </a:ext>
             </a:extLst>
           </p:cNvPr>
@@ -902,7 +902,7 @@
           <p:cNvPr id="6" name="Slide Number Placeholder 5">
             <a:extLst>
               <a:ext uri="{FF2B5EF4-FFF2-40B4-BE49-F238E27FC236}">
-                <a16:creationId xmlns:a16="http://schemas.microsoft.com/office/drawing/2014/main" xmlns="" id="{8E1A93B0-83A1-48FB-CAB5-753DD368F5F6}"/>
+                <a16:creationId xmlns="" xmlns:a16="http://schemas.microsoft.com/office/drawing/2014/main" id="{8E1A93B0-83A1-48FB-CAB5-753DD368F5F6}"/>
               </a:ext>
             </a:extLst>
           </p:cNvPr>
@@ -930,7 +930,7 @@
     </p:spTree>
     <p:extLst>
       <p:ext uri="{BB962C8B-B14F-4D97-AF65-F5344CB8AC3E}">
-        <p14:creationId xmlns:p14="http://schemas.microsoft.com/office/powerpoint/2010/main" xmlns="" val="713313203"/>
+        <p14:creationId xmlns="" xmlns:p14="http://schemas.microsoft.com/office/powerpoint/2010/main" val="713313203"/>
       </p:ext>
     </p:extLst>
   </p:cSld>
@@ -962,7 +962,7 @@
           <p:cNvPr id="2" name="Title 1">
             <a:extLst>
               <a:ext uri="{FF2B5EF4-FFF2-40B4-BE49-F238E27FC236}">
-                <a16:creationId xmlns:a16="http://schemas.microsoft.com/office/drawing/2014/main" xmlns="" id="{9188BA67-BAAF-95B3-9D40-BC79FEB29897}"/>
+                <a16:creationId xmlns="" xmlns:a16="http://schemas.microsoft.com/office/drawing/2014/main" id="{9188BA67-BAAF-95B3-9D40-BC79FEB29897}"/>
               </a:ext>
             </a:extLst>
           </p:cNvPr>
@@ -999,7 +999,7 @@
           <p:cNvPr id="3" name="Text Placeholder 2">
             <a:extLst>
               <a:ext uri="{FF2B5EF4-FFF2-40B4-BE49-F238E27FC236}">
-                <a16:creationId xmlns:a16="http://schemas.microsoft.com/office/drawing/2014/main" xmlns="" id="{2BC1450A-C213-133F-A2BF-FB249F720381}"/>
+                <a16:creationId xmlns="" xmlns:a16="http://schemas.microsoft.com/office/drawing/2014/main" id="{2BC1450A-C213-133F-A2BF-FB249F720381}"/>
               </a:ext>
             </a:extLst>
           </p:cNvPr>
@@ -1124,7 +1124,7 @@
           <p:cNvPr id="4" name="Date Placeholder 3">
             <a:extLst>
               <a:ext uri="{FF2B5EF4-FFF2-40B4-BE49-F238E27FC236}">
-                <a16:creationId xmlns:a16="http://schemas.microsoft.com/office/drawing/2014/main" xmlns="" id="{654FA05A-39EC-6536-2088-C7D685557A1F}"/>
+                <a16:creationId xmlns="" xmlns:a16="http://schemas.microsoft.com/office/drawing/2014/main" id="{654FA05A-39EC-6536-2088-C7D685557A1F}"/>
               </a:ext>
             </a:extLst>
           </p:cNvPr>
@@ -1143,7 +1143,7 @@
             <a:fld id="{6130A597-3FC2-40BC-90E4-45272B4FD30A}" type="datetimeFigureOut">
               <a:rPr lang="en-US" smtClean="0"/>
               <a:pPr/>
-              <a:t>6/9/2023</a:t>
+              <a:t>6/12/2023</a:t>
             </a:fld>
             <a:endParaRPr lang="en-US"/>
           </a:p>
@@ -1154,7 +1154,7 @@
           <p:cNvPr id="5" name="Footer Placeholder 4">
             <a:extLst>
               <a:ext uri="{FF2B5EF4-FFF2-40B4-BE49-F238E27FC236}">
-                <a16:creationId xmlns:a16="http://schemas.microsoft.com/office/drawing/2014/main" xmlns="" id="{076D37C4-5F25-6299-FB5B-A945D1F04692}"/>
+                <a16:creationId xmlns="" xmlns:a16="http://schemas.microsoft.com/office/drawing/2014/main" id="{076D37C4-5F25-6299-FB5B-A945D1F04692}"/>
               </a:ext>
             </a:extLst>
           </p:cNvPr>
@@ -1179,7 +1179,7 @@
           <p:cNvPr id="6" name="Slide Number Placeholder 5">
             <a:extLst>
               <a:ext uri="{FF2B5EF4-FFF2-40B4-BE49-F238E27FC236}">
-                <a16:creationId xmlns:a16="http://schemas.microsoft.com/office/drawing/2014/main" xmlns="" id="{5F44D49C-CBBB-77FC-674B-87DF5A42FA0B}"/>
+                <a16:creationId xmlns="" xmlns:a16="http://schemas.microsoft.com/office/drawing/2014/main" id="{5F44D49C-CBBB-77FC-674B-87DF5A42FA0B}"/>
               </a:ext>
             </a:extLst>
           </p:cNvPr>
@@ -1207,7 +1207,7 @@
     </p:spTree>
     <p:extLst>
       <p:ext uri="{BB962C8B-B14F-4D97-AF65-F5344CB8AC3E}">
-        <p14:creationId xmlns:p14="http://schemas.microsoft.com/office/powerpoint/2010/main" xmlns="" val="1604520373"/>
+        <p14:creationId xmlns="" xmlns:p14="http://schemas.microsoft.com/office/powerpoint/2010/main" val="1604520373"/>
       </p:ext>
     </p:extLst>
   </p:cSld>
@@ -1239,7 +1239,7 @@
           <p:cNvPr id="2" name="Title 1">
             <a:extLst>
               <a:ext uri="{FF2B5EF4-FFF2-40B4-BE49-F238E27FC236}">
-                <a16:creationId xmlns:a16="http://schemas.microsoft.com/office/drawing/2014/main" xmlns="" id="{4C9C1003-9667-290F-E51A-415DA43E6DA9}"/>
+                <a16:creationId xmlns="" xmlns:a16="http://schemas.microsoft.com/office/drawing/2014/main" id="{4C9C1003-9667-290F-E51A-415DA43E6DA9}"/>
               </a:ext>
             </a:extLst>
           </p:cNvPr>
@@ -1267,7 +1267,7 @@
           <p:cNvPr id="3" name="Content Placeholder 2">
             <a:extLst>
               <a:ext uri="{FF2B5EF4-FFF2-40B4-BE49-F238E27FC236}">
-                <a16:creationId xmlns:a16="http://schemas.microsoft.com/office/drawing/2014/main" xmlns="" id="{131BCE7E-05CC-112A-3CBF-BD723C17C1AD}"/>
+                <a16:creationId xmlns="" xmlns:a16="http://schemas.microsoft.com/office/drawing/2014/main" id="{131BCE7E-05CC-112A-3CBF-BD723C17C1AD}"/>
               </a:ext>
             </a:extLst>
           </p:cNvPr>
@@ -1329,7 +1329,7 @@
           <p:cNvPr id="4" name="Content Placeholder 3">
             <a:extLst>
               <a:ext uri="{FF2B5EF4-FFF2-40B4-BE49-F238E27FC236}">
-                <a16:creationId xmlns:a16="http://schemas.microsoft.com/office/drawing/2014/main" xmlns="" id="{0DCB66B2-781C-9422-1017-06A10B2BB8CD}"/>
+                <a16:creationId xmlns="" xmlns:a16="http://schemas.microsoft.com/office/drawing/2014/main" id="{0DCB66B2-781C-9422-1017-06A10B2BB8CD}"/>
               </a:ext>
             </a:extLst>
           </p:cNvPr>
@@ -1391,7 +1391,7 @@
           <p:cNvPr id="5" name="Date Placeholder 4">
             <a:extLst>
               <a:ext uri="{FF2B5EF4-FFF2-40B4-BE49-F238E27FC236}">
-                <a16:creationId xmlns:a16="http://schemas.microsoft.com/office/drawing/2014/main" xmlns="" id="{402C8663-4E43-3032-B41A-A70C637C28B1}"/>
+                <a16:creationId xmlns="" xmlns:a16="http://schemas.microsoft.com/office/drawing/2014/main" id="{402C8663-4E43-3032-B41A-A70C637C28B1}"/>
               </a:ext>
             </a:extLst>
           </p:cNvPr>
@@ -1410,7 +1410,7 @@
             <a:fld id="{6130A597-3FC2-40BC-90E4-45272B4FD30A}" type="datetimeFigureOut">
               <a:rPr lang="en-US" smtClean="0"/>
               <a:pPr/>
-              <a:t>6/9/2023</a:t>
+              <a:t>6/12/2023</a:t>
             </a:fld>
             <a:endParaRPr lang="en-US"/>
           </a:p>
@@ -1421,7 +1421,7 @@
           <p:cNvPr id="6" name="Footer Placeholder 5">
             <a:extLst>
               <a:ext uri="{FF2B5EF4-FFF2-40B4-BE49-F238E27FC236}">
-                <a16:creationId xmlns:a16="http://schemas.microsoft.com/office/drawing/2014/main" xmlns="" id="{312E88B8-B06A-47EB-1EC7-7463940D11CE}"/>
+                <a16:creationId xmlns="" xmlns:a16="http://schemas.microsoft.com/office/drawing/2014/main" id="{312E88B8-B06A-47EB-1EC7-7463940D11CE}"/>
               </a:ext>
             </a:extLst>
           </p:cNvPr>
@@ -1446,7 +1446,7 @@
           <p:cNvPr id="7" name="Slide Number Placeholder 6">
             <a:extLst>
               <a:ext uri="{FF2B5EF4-FFF2-40B4-BE49-F238E27FC236}">
-                <a16:creationId xmlns:a16="http://schemas.microsoft.com/office/drawing/2014/main" xmlns="" id="{AE6BC2D5-42CD-4E23-31F5-8E19F551679F}"/>
+                <a16:creationId xmlns="" xmlns:a16="http://schemas.microsoft.com/office/drawing/2014/main" id="{AE6BC2D5-42CD-4E23-31F5-8E19F551679F}"/>
               </a:ext>
             </a:extLst>
           </p:cNvPr>
@@ -1474,7 +1474,7 @@
     </p:spTree>
     <p:extLst>
       <p:ext uri="{BB962C8B-B14F-4D97-AF65-F5344CB8AC3E}">
-        <p14:creationId xmlns:p14="http://schemas.microsoft.com/office/powerpoint/2010/main" xmlns="" val="3411766856"/>
+        <p14:creationId xmlns="" xmlns:p14="http://schemas.microsoft.com/office/powerpoint/2010/main" val="3411766856"/>
       </p:ext>
     </p:extLst>
   </p:cSld>
@@ -1506,7 +1506,7 @@
           <p:cNvPr id="2" name="Title 1">
             <a:extLst>
               <a:ext uri="{FF2B5EF4-FFF2-40B4-BE49-F238E27FC236}">
-                <a16:creationId xmlns:a16="http://schemas.microsoft.com/office/drawing/2014/main" xmlns="" id="{9F12485E-E075-C09C-D8FC-3AC335A03AD2}"/>
+                <a16:creationId xmlns="" xmlns:a16="http://schemas.microsoft.com/office/drawing/2014/main" id="{9F12485E-E075-C09C-D8FC-3AC335A03AD2}"/>
               </a:ext>
             </a:extLst>
           </p:cNvPr>
@@ -1539,7 +1539,7 @@
           <p:cNvPr id="3" name="Text Placeholder 2">
             <a:extLst>
               <a:ext uri="{FF2B5EF4-FFF2-40B4-BE49-F238E27FC236}">
-                <a16:creationId xmlns:a16="http://schemas.microsoft.com/office/drawing/2014/main" xmlns="" id="{284F00E5-DD46-3320-0822-784F5F446123}"/>
+                <a16:creationId xmlns="" xmlns:a16="http://schemas.microsoft.com/office/drawing/2014/main" id="{284F00E5-DD46-3320-0822-784F5F446123}"/>
               </a:ext>
             </a:extLst>
           </p:cNvPr>
@@ -1610,7 +1610,7 @@
           <p:cNvPr id="4" name="Content Placeholder 3">
             <a:extLst>
               <a:ext uri="{FF2B5EF4-FFF2-40B4-BE49-F238E27FC236}">
-                <a16:creationId xmlns:a16="http://schemas.microsoft.com/office/drawing/2014/main" xmlns="" id="{81554A94-2C6C-CCCB-D6AD-621E32529849}"/>
+                <a16:creationId xmlns="" xmlns:a16="http://schemas.microsoft.com/office/drawing/2014/main" id="{81554A94-2C6C-CCCB-D6AD-621E32529849}"/>
               </a:ext>
             </a:extLst>
           </p:cNvPr>
@@ -1672,7 +1672,7 @@
           <p:cNvPr id="5" name="Text Placeholder 4">
             <a:extLst>
               <a:ext uri="{FF2B5EF4-FFF2-40B4-BE49-F238E27FC236}">
-                <a16:creationId xmlns:a16="http://schemas.microsoft.com/office/drawing/2014/main" xmlns="" id="{C1E02853-4C8F-2F6E-3A95-957DB44FDB0B}"/>
+                <a16:creationId xmlns="" xmlns:a16="http://schemas.microsoft.com/office/drawing/2014/main" id="{C1E02853-4C8F-2F6E-3A95-957DB44FDB0B}"/>
               </a:ext>
             </a:extLst>
           </p:cNvPr>
@@ -1743,7 +1743,7 @@
           <p:cNvPr id="6" name="Content Placeholder 5">
             <a:extLst>
               <a:ext uri="{FF2B5EF4-FFF2-40B4-BE49-F238E27FC236}">
-                <a16:creationId xmlns:a16="http://schemas.microsoft.com/office/drawing/2014/main" xmlns="" id="{921A8824-9270-2B26-8F27-E225E18FC3DF}"/>
+                <a16:creationId xmlns="" xmlns:a16="http://schemas.microsoft.com/office/drawing/2014/main" id="{921A8824-9270-2B26-8F27-E225E18FC3DF}"/>
               </a:ext>
             </a:extLst>
           </p:cNvPr>
@@ -1805,7 +1805,7 @@
           <p:cNvPr id="7" name="Date Placeholder 6">
             <a:extLst>
               <a:ext uri="{FF2B5EF4-FFF2-40B4-BE49-F238E27FC236}">
-                <a16:creationId xmlns:a16="http://schemas.microsoft.com/office/drawing/2014/main" xmlns="" id="{E854A824-23BA-A33C-2771-CA323E438BAC}"/>
+                <a16:creationId xmlns="" xmlns:a16="http://schemas.microsoft.com/office/drawing/2014/main" id="{E854A824-23BA-A33C-2771-CA323E438BAC}"/>
               </a:ext>
             </a:extLst>
           </p:cNvPr>
@@ -1824,7 +1824,7 @@
             <a:fld id="{6130A597-3FC2-40BC-90E4-45272B4FD30A}" type="datetimeFigureOut">
               <a:rPr lang="en-US" smtClean="0"/>
               <a:pPr/>
-              <a:t>6/9/2023</a:t>
+              <a:t>6/12/2023</a:t>
             </a:fld>
             <a:endParaRPr lang="en-US"/>
           </a:p>
@@ -1835,7 +1835,7 @@
           <p:cNvPr id="8" name="Footer Placeholder 7">
             <a:extLst>
               <a:ext uri="{FF2B5EF4-FFF2-40B4-BE49-F238E27FC236}">
-                <a16:creationId xmlns:a16="http://schemas.microsoft.com/office/drawing/2014/main" xmlns="" id="{0079C28F-5E76-E621-AA85-A667F1E1B5B5}"/>
+                <a16:creationId xmlns="" xmlns:a16="http://schemas.microsoft.com/office/drawing/2014/main" id="{0079C28F-5E76-E621-AA85-A667F1E1B5B5}"/>
               </a:ext>
             </a:extLst>
           </p:cNvPr>
@@ -1860,7 +1860,7 @@
           <p:cNvPr id="9" name="Slide Number Placeholder 8">
             <a:extLst>
               <a:ext uri="{FF2B5EF4-FFF2-40B4-BE49-F238E27FC236}">
-                <a16:creationId xmlns:a16="http://schemas.microsoft.com/office/drawing/2014/main" xmlns="" id="{40DC1F46-38AB-7E8A-FCBC-BA50FD9D5B40}"/>
+                <a16:creationId xmlns="" xmlns:a16="http://schemas.microsoft.com/office/drawing/2014/main" id="{40DC1F46-38AB-7E8A-FCBC-BA50FD9D5B40}"/>
               </a:ext>
             </a:extLst>
           </p:cNvPr>
@@ -1888,7 +1888,7 @@
     </p:spTree>
     <p:extLst>
       <p:ext uri="{BB962C8B-B14F-4D97-AF65-F5344CB8AC3E}">
-        <p14:creationId xmlns:p14="http://schemas.microsoft.com/office/powerpoint/2010/main" xmlns="" val="1485234317"/>
+        <p14:creationId xmlns="" xmlns:p14="http://schemas.microsoft.com/office/powerpoint/2010/main" val="1485234317"/>
       </p:ext>
     </p:extLst>
   </p:cSld>
@@ -1920,7 +1920,7 @@
           <p:cNvPr id="2" name="Title 1">
             <a:extLst>
               <a:ext uri="{FF2B5EF4-FFF2-40B4-BE49-F238E27FC236}">
-                <a16:creationId xmlns:a16="http://schemas.microsoft.com/office/drawing/2014/main" xmlns="" id="{5EDD8193-4C91-2CFC-D647-2FF96473F13B}"/>
+                <a16:creationId xmlns="" xmlns:a16="http://schemas.microsoft.com/office/drawing/2014/main" id="{5EDD8193-4C91-2CFC-D647-2FF96473F13B}"/>
               </a:ext>
             </a:extLst>
           </p:cNvPr>
@@ -1948,7 +1948,7 @@
           <p:cNvPr id="3" name="Date Placeholder 2">
             <a:extLst>
               <a:ext uri="{FF2B5EF4-FFF2-40B4-BE49-F238E27FC236}">
-                <a16:creationId xmlns:a16="http://schemas.microsoft.com/office/drawing/2014/main" xmlns="" id="{C684552E-1713-E254-8E21-A1733307EC55}"/>
+                <a16:creationId xmlns="" xmlns:a16="http://schemas.microsoft.com/office/drawing/2014/main" id="{C684552E-1713-E254-8E21-A1733307EC55}"/>
               </a:ext>
             </a:extLst>
           </p:cNvPr>
@@ -1967,7 +1967,7 @@
             <a:fld id="{6130A597-3FC2-40BC-90E4-45272B4FD30A}" type="datetimeFigureOut">
               <a:rPr lang="en-US" smtClean="0"/>
               <a:pPr/>
-              <a:t>6/9/2023</a:t>
+              <a:t>6/12/2023</a:t>
             </a:fld>
             <a:endParaRPr lang="en-US"/>
           </a:p>
@@ -1978,7 +1978,7 @@
           <p:cNvPr id="4" name="Footer Placeholder 3">
             <a:extLst>
               <a:ext uri="{FF2B5EF4-FFF2-40B4-BE49-F238E27FC236}">
-                <a16:creationId xmlns:a16="http://schemas.microsoft.com/office/drawing/2014/main" xmlns="" id="{93B2DE15-67E9-C318-FBDB-44421640723F}"/>
+                <a16:creationId xmlns="" xmlns:a16="http://schemas.microsoft.com/office/drawing/2014/main" id="{93B2DE15-67E9-C318-FBDB-44421640723F}"/>
               </a:ext>
             </a:extLst>
           </p:cNvPr>
@@ -2003,7 +2003,7 @@
           <p:cNvPr id="5" name="Slide Number Placeholder 4">
             <a:extLst>
               <a:ext uri="{FF2B5EF4-FFF2-40B4-BE49-F238E27FC236}">
-                <a16:creationId xmlns:a16="http://schemas.microsoft.com/office/drawing/2014/main" xmlns="" id="{4D877F71-CAA7-DE39-32E4-531922468132}"/>
+                <a16:creationId xmlns="" xmlns:a16="http://schemas.microsoft.com/office/drawing/2014/main" id="{4D877F71-CAA7-DE39-32E4-531922468132}"/>
               </a:ext>
             </a:extLst>
           </p:cNvPr>
@@ -2031,7 +2031,7 @@
     </p:spTree>
     <p:extLst>
       <p:ext uri="{BB962C8B-B14F-4D97-AF65-F5344CB8AC3E}">
-        <p14:creationId xmlns:p14="http://schemas.microsoft.com/office/powerpoint/2010/main" xmlns="" val="1896301856"/>
+        <p14:creationId xmlns="" xmlns:p14="http://schemas.microsoft.com/office/powerpoint/2010/main" val="1896301856"/>
       </p:ext>
     </p:extLst>
   </p:cSld>
@@ -2063,7 +2063,7 @@
           <p:cNvPr id="2" name="Date Placeholder 1">
             <a:extLst>
               <a:ext uri="{FF2B5EF4-FFF2-40B4-BE49-F238E27FC236}">
-                <a16:creationId xmlns:a16="http://schemas.microsoft.com/office/drawing/2014/main" xmlns="" id="{1E69C9D6-693E-4B83-6760-2C08919C4DF2}"/>
+                <a16:creationId xmlns="" xmlns:a16="http://schemas.microsoft.com/office/drawing/2014/main" id="{1E69C9D6-693E-4B83-6760-2C08919C4DF2}"/>
               </a:ext>
             </a:extLst>
           </p:cNvPr>
@@ -2082,7 +2082,7 @@
             <a:fld id="{6130A597-3FC2-40BC-90E4-45272B4FD30A}" type="datetimeFigureOut">
               <a:rPr lang="en-US" smtClean="0"/>
               <a:pPr/>
-              <a:t>6/9/2023</a:t>
+              <a:t>6/12/2023</a:t>
             </a:fld>
             <a:endParaRPr lang="en-US"/>
           </a:p>
@@ -2093,7 +2093,7 @@
           <p:cNvPr id="3" name="Footer Placeholder 2">
             <a:extLst>
               <a:ext uri="{FF2B5EF4-FFF2-40B4-BE49-F238E27FC236}">
-                <a16:creationId xmlns:a16="http://schemas.microsoft.com/office/drawing/2014/main" xmlns="" id="{68E9C5C0-8B74-1105-A52B-E19BD511B369}"/>
+                <a16:creationId xmlns="" xmlns:a16="http://schemas.microsoft.com/office/drawing/2014/main" id="{68E9C5C0-8B74-1105-A52B-E19BD511B369}"/>
               </a:ext>
             </a:extLst>
           </p:cNvPr>
@@ -2118,7 +2118,7 @@
           <p:cNvPr id="4" name="Slide Number Placeholder 3">
             <a:extLst>
               <a:ext uri="{FF2B5EF4-FFF2-40B4-BE49-F238E27FC236}">
-                <a16:creationId xmlns:a16="http://schemas.microsoft.com/office/drawing/2014/main" xmlns="" id="{255D8235-CEC6-A5F6-08C6-613C0E32A904}"/>
+                <a16:creationId xmlns="" xmlns:a16="http://schemas.microsoft.com/office/drawing/2014/main" id="{255D8235-CEC6-A5F6-08C6-613C0E32A904}"/>
               </a:ext>
             </a:extLst>
           </p:cNvPr>
@@ -2146,7 +2146,7 @@
     </p:spTree>
     <p:extLst>
       <p:ext uri="{BB962C8B-B14F-4D97-AF65-F5344CB8AC3E}">
-        <p14:creationId xmlns:p14="http://schemas.microsoft.com/office/powerpoint/2010/main" xmlns="" val="3037138009"/>
+        <p14:creationId xmlns="" xmlns:p14="http://schemas.microsoft.com/office/powerpoint/2010/main" val="3037138009"/>
       </p:ext>
     </p:extLst>
   </p:cSld>
@@ -2178,7 +2178,7 @@
           <p:cNvPr id="2" name="Title 1">
             <a:extLst>
               <a:ext uri="{FF2B5EF4-FFF2-40B4-BE49-F238E27FC236}">
-                <a16:creationId xmlns:a16="http://schemas.microsoft.com/office/drawing/2014/main" xmlns="" id="{4D48B167-832A-AD22-D31D-346C97076070}"/>
+                <a16:creationId xmlns="" xmlns:a16="http://schemas.microsoft.com/office/drawing/2014/main" id="{4D48B167-832A-AD22-D31D-346C97076070}"/>
               </a:ext>
             </a:extLst>
           </p:cNvPr>
@@ -2215,7 +2215,7 @@
           <p:cNvPr id="3" name="Content Placeholder 2">
             <a:extLst>
               <a:ext uri="{FF2B5EF4-FFF2-40B4-BE49-F238E27FC236}">
-                <a16:creationId xmlns:a16="http://schemas.microsoft.com/office/drawing/2014/main" xmlns="" id="{C7719FDD-EE1C-ABDD-BB39-1084B60016D6}"/>
+                <a16:creationId xmlns="" xmlns:a16="http://schemas.microsoft.com/office/drawing/2014/main" id="{C7719FDD-EE1C-ABDD-BB39-1084B60016D6}"/>
               </a:ext>
             </a:extLst>
           </p:cNvPr>
@@ -2305,7 +2305,7 @@
           <p:cNvPr id="4" name="Text Placeholder 3">
             <a:extLst>
               <a:ext uri="{FF2B5EF4-FFF2-40B4-BE49-F238E27FC236}">
-                <a16:creationId xmlns:a16="http://schemas.microsoft.com/office/drawing/2014/main" xmlns="" id="{47CA3BCE-61E5-D092-8999-923CB28C15CA}"/>
+                <a16:creationId xmlns="" xmlns:a16="http://schemas.microsoft.com/office/drawing/2014/main" id="{47CA3BCE-61E5-D092-8999-923CB28C15CA}"/>
               </a:ext>
             </a:extLst>
           </p:cNvPr>
@@ -2376,7 +2376,7 @@
           <p:cNvPr id="5" name="Date Placeholder 4">
             <a:extLst>
               <a:ext uri="{FF2B5EF4-FFF2-40B4-BE49-F238E27FC236}">
-                <a16:creationId xmlns:a16="http://schemas.microsoft.com/office/drawing/2014/main" xmlns="" id="{3D8E7628-EC86-76DA-0F7C-F7BE0503F31A}"/>
+                <a16:creationId xmlns="" xmlns:a16="http://schemas.microsoft.com/office/drawing/2014/main" id="{3D8E7628-EC86-76DA-0F7C-F7BE0503F31A}"/>
               </a:ext>
             </a:extLst>
           </p:cNvPr>
@@ -2395,7 +2395,7 @@
             <a:fld id="{6130A597-3FC2-40BC-90E4-45272B4FD30A}" type="datetimeFigureOut">
               <a:rPr lang="en-US" smtClean="0"/>
               <a:pPr/>
-              <a:t>6/9/2023</a:t>
+              <a:t>6/12/2023</a:t>
             </a:fld>
             <a:endParaRPr lang="en-US"/>
           </a:p>
@@ -2406,7 +2406,7 @@
           <p:cNvPr id="6" name="Footer Placeholder 5">
             <a:extLst>
               <a:ext uri="{FF2B5EF4-FFF2-40B4-BE49-F238E27FC236}">
-                <a16:creationId xmlns:a16="http://schemas.microsoft.com/office/drawing/2014/main" xmlns="" id="{9857056D-1017-5779-9F14-334743C343EB}"/>
+                <a16:creationId xmlns="" xmlns:a16="http://schemas.microsoft.com/office/drawing/2014/main" id="{9857056D-1017-5779-9F14-334743C343EB}"/>
               </a:ext>
             </a:extLst>
           </p:cNvPr>
@@ -2431,7 +2431,7 @@
           <p:cNvPr id="7" name="Slide Number Placeholder 6">
             <a:extLst>
               <a:ext uri="{FF2B5EF4-FFF2-40B4-BE49-F238E27FC236}">
-                <a16:creationId xmlns:a16="http://schemas.microsoft.com/office/drawing/2014/main" xmlns="" id="{63ADBFC1-BDC0-CC76-953D-6D1E07E1A71C}"/>
+                <a16:creationId xmlns="" xmlns:a16="http://schemas.microsoft.com/office/drawing/2014/main" id="{63ADBFC1-BDC0-CC76-953D-6D1E07E1A71C}"/>
               </a:ext>
             </a:extLst>
           </p:cNvPr>
@@ -2459,7 +2459,7 @@
     </p:spTree>
     <p:extLst>
       <p:ext uri="{BB962C8B-B14F-4D97-AF65-F5344CB8AC3E}">
-        <p14:creationId xmlns:p14="http://schemas.microsoft.com/office/powerpoint/2010/main" xmlns="" val="3199422506"/>
+        <p14:creationId xmlns="" xmlns:p14="http://schemas.microsoft.com/office/powerpoint/2010/main" val="3199422506"/>
       </p:ext>
     </p:extLst>
   </p:cSld>
@@ -2491,7 +2491,7 @@
           <p:cNvPr id="2" name="Title 1">
             <a:extLst>
               <a:ext uri="{FF2B5EF4-FFF2-40B4-BE49-F238E27FC236}">
-                <a16:creationId xmlns:a16="http://schemas.microsoft.com/office/drawing/2014/main" xmlns="" id="{933B0A90-8F22-692E-861A-6AEE4BD2408B}"/>
+                <a16:creationId xmlns="" xmlns:a16="http://schemas.microsoft.com/office/drawing/2014/main" id="{933B0A90-8F22-692E-861A-6AEE4BD2408B}"/>
               </a:ext>
             </a:extLst>
           </p:cNvPr>
@@ -2528,7 +2528,7 @@
           <p:cNvPr id="3" name="Picture Placeholder 2">
             <a:extLst>
               <a:ext uri="{FF2B5EF4-FFF2-40B4-BE49-F238E27FC236}">
-                <a16:creationId xmlns:a16="http://schemas.microsoft.com/office/drawing/2014/main" xmlns="" id="{986699B9-DA22-43FB-B4E4-CBFB16AFFC59}"/>
+                <a16:creationId xmlns="" xmlns:a16="http://schemas.microsoft.com/office/drawing/2014/main" id="{986699B9-DA22-43FB-B4E4-CBFB16AFFC59}"/>
               </a:ext>
             </a:extLst>
           </p:cNvPr>
@@ -2595,7 +2595,7 @@
           <p:cNvPr id="4" name="Text Placeholder 3">
             <a:extLst>
               <a:ext uri="{FF2B5EF4-FFF2-40B4-BE49-F238E27FC236}">
-                <a16:creationId xmlns:a16="http://schemas.microsoft.com/office/drawing/2014/main" xmlns="" id="{5C7DBCAB-263B-FB14-4468-CF1C0E68A064}"/>
+                <a16:creationId xmlns="" xmlns:a16="http://schemas.microsoft.com/office/drawing/2014/main" id="{5C7DBCAB-263B-FB14-4468-CF1C0E68A064}"/>
               </a:ext>
             </a:extLst>
           </p:cNvPr>
@@ -2666,7 +2666,7 @@
           <p:cNvPr id="5" name="Date Placeholder 4">
             <a:extLst>
               <a:ext uri="{FF2B5EF4-FFF2-40B4-BE49-F238E27FC236}">
-                <a16:creationId xmlns:a16="http://schemas.microsoft.com/office/drawing/2014/main" xmlns="" id="{F7B0C56C-FB3B-02D9-7CF0-48965B6761C2}"/>
+                <a16:creationId xmlns="" xmlns:a16="http://schemas.microsoft.com/office/drawing/2014/main" id="{F7B0C56C-FB3B-02D9-7CF0-48965B6761C2}"/>
               </a:ext>
             </a:extLst>
           </p:cNvPr>
@@ -2685,7 +2685,7 @@
             <a:fld id="{6130A597-3FC2-40BC-90E4-45272B4FD30A}" type="datetimeFigureOut">
               <a:rPr lang="en-US" smtClean="0"/>
               <a:pPr/>
-              <a:t>6/9/2023</a:t>
+              <a:t>6/12/2023</a:t>
             </a:fld>
             <a:endParaRPr lang="en-US"/>
           </a:p>
@@ -2696,7 +2696,7 @@
           <p:cNvPr id="6" name="Footer Placeholder 5">
             <a:extLst>
               <a:ext uri="{FF2B5EF4-FFF2-40B4-BE49-F238E27FC236}">
-                <a16:creationId xmlns:a16="http://schemas.microsoft.com/office/drawing/2014/main" xmlns="" id="{7D9FF859-9443-88B8-AFDE-51D16A949BB3}"/>
+                <a16:creationId xmlns="" xmlns:a16="http://schemas.microsoft.com/office/drawing/2014/main" id="{7D9FF859-9443-88B8-AFDE-51D16A949BB3}"/>
               </a:ext>
             </a:extLst>
           </p:cNvPr>
@@ -2721,7 +2721,7 @@
           <p:cNvPr id="7" name="Slide Number Placeholder 6">
             <a:extLst>
               <a:ext uri="{FF2B5EF4-FFF2-40B4-BE49-F238E27FC236}">
-                <a16:creationId xmlns:a16="http://schemas.microsoft.com/office/drawing/2014/main" xmlns="" id="{3EEC1EB5-010F-4136-4DB5-BEB708816360}"/>
+                <a16:creationId xmlns="" xmlns:a16="http://schemas.microsoft.com/office/drawing/2014/main" id="{3EEC1EB5-010F-4136-4DB5-BEB708816360}"/>
               </a:ext>
             </a:extLst>
           </p:cNvPr>
@@ -2749,7 +2749,7 @@
     </p:spTree>
     <p:extLst>
       <p:ext uri="{BB962C8B-B14F-4D97-AF65-F5344CB8AC3E}">
-        <p14:creationId xmlns:p14="http://schemas.microsoft.com/office/powerpoint/2010/main" xmlns="" val="1703404462"/>
+        <p14:creationId xmlns="" xmlns:p14="http://schemas.microsoft.com/office/powerpoint/2010/main" val="1703404462"/>
       </p:ext>
     </p:extLst>
   </p:cSld>
@@ -2786,7 +2786,7 @@
           <p:cNvPr id="2" name="Title Placeholder 1">
             <a:extLst>
               <a:ext uri="{FF2B5EF4-FFF2-40B4-BE49-F238E27FC236}">
-                <a16:creationId xmlns:a16="http://schemas.microsoft.com/office/drawing/2014/main" xmlns="" id="{76D959BD-517D-0926-C3FF-3AD07280036B}"/>
+                <a16:creationId xmlns="" xmlns:a16="http://schemas.microsoft.com/office/drawing/2014/main" id="{76D959BD-517D-0926-C3FF-3AD07280036B}"/>
               </a:ext>
             </a:extLst>
           </p:cNvPr>
@@ -2824,7 +2824,7 @@
           <p:cNvPr id="3" name="Text Placeholder 2">
             <a:extLst>
               <a:ext uri="{FF2B5EF4-FFF2-40B4-BE49-F238E27FC236}">
-                <a16:creationId xmlns:a16="http://schemas.microsoft.com/office/drawing/2014/main" xmlns="" id="{001B438E-7AD9-4153-DFBE-79C2410C7EA4}"/>
+                <a16:creationId xmlns="" xmlns:a16="http://schemas.microsoft.com/office/drawing/2014/main" id="{001B438E-7AD9-4153-DFBE-79C2410C7EA4}"/>
               </a:ext>
             </a:extLst>
           </p:cNvPr>
@@ -2891,7 +2891,7 @@
           <p:cNvPr id="4" name="Date Placeholder 3">
             <a:extLst>
               <a:ext uri="{FF2B5EF4-FFF2-40B4-BE49-F238E27FC236}">
-                <a16:creationId xmlns:a16="http://schemas.microsoft.com/office/drawing/2014/main" xmlns="" id="{7B6F19F1-41AD-A199-46E8-6B5823C1078B}"/>
+                <a16:creationId xmlns="" xmlns:a16="http://schemas.microsoft.com/office/drawing/2014/main" id="{7B6F19F1-41AD-A199-46E8-6B5823C1078B}"/>
               </a:ext>
             </a:extLst>
           </p:cNvPr>
@@ -2928,7 +2928,7 @@
             <a:fld id="{6130A597-3FC2-40BC-90E4-45272B4FD30A}" type="datetimeFigureOut">
               <a:rPr lang="en-US" smtClean="0"/>
               <a:pPr/>
-              <a:t>6/9/2023</a:t>
+              <a:t>6/12/2023</a:t>
             </a:fld>
             <a:endParaRPr lang="en-US"/>
           </a:p>
@@ -2939,7 +2939,7 @@
           <p:cNvPr id="5" name="Footer Placeholder 4">
             <a:extLst>
               <a:ext uri="{FF2B5EF4-FFF2-40B4-BE49-F238E27FC236}">
-                <a16:creationId xmlns:a16="http://schemas.microsoft.com/office/drawing/2014/main" xmlns="" id="{37AE0B53-A5FB-4BFF-F91E-A3F3F205E46A}"/>
+                <a16:creationId xmlns="" xmlns:a16="http://schemas.microsoft.com/office/drawing/2014/main" id="{37AE0B53-A5FB-4BFF-F91E-A3F3F205E46A}"/>
               </a:ext>
             </a:extLst>
           </p:cNvPr>
@@ -2982,7 +2982,7 @@
           <p:cNvPr id="6" name="Slide Number Placeholder 5">
             <a:extLst>
               <a:ext uri="{FF2B5EF4-FFF2-40B4-BE49-F238E27FC236}">
-                <a16:creationId xmlns:a16="http://schemas.microsoft.com/office/drawing/2014/main" xmlns="" id="{D1CB5752-1CA8-0D25-9A99-471EE3267815}"/>
+                <a16:creationId xmlns="" xmlns:a16="http://schemas.microsoft.com/office/drawing/2014/main" id="{D1CB5752-1CA8-0D25-9A99-471EE3267815}"/>
               </a:ext>
             </a:extLst>
           </p:cNvPr>
@@ -3028,7 +3028,7 @@
     </p:spTree>
     <p:extLst>
       <p:ext uri="{BB962C8B-B14F-4D97-AF65-F5344CB8AC3E}">
-        <p14:creationId xmlns:p14="http://schemas.microsoft.com/office/powerpoint/2010/main" xmlns="" val="3142033799"/>
+        <p14:creationId xmlns="" xmlns:p14="http://schemas.microsoft.com/office/powerpoint/2010/main" val="3142033799"/>
       </p:ext>
     </p:extLst>
   </p:cSld>
@@ -3346,12 +3346,48 @@
           <a:chExt cx="0" cy="0"/>
         </a:xfrm>
       </p:grpSpPr>
+      <p:pic>
+        <p:nvPicPr>
+          <p:cNvPr id="33" name="Picture 32" descr="A green leaf with black background&#10;&#10;Description automatically generated with medium confidence">
+            <a:extLst>
+              <a:ext uri="{FF2B5EF4-FFF2-40B4-BE49-F238E27FC236}">
+                <a16:creationId xmlns="" xmlns:a16="http://schemas.microsoft.com/office/drawing/2014/main" id="{626C168B-120C-A8C9-2F95-E9928484D01A}"/>
+              </a:ext>
+            </a:extLst>
+          </p:cNvPr>
+          <p:cNvPicPr>
+            <a:picLocks noChangeAspect="1"/>
+          </p:cNvPicPr>
+          <p:nvPr/>
+        </p:nvPicPr>
+        <p:blipFill>
+          <a:blip r:embed="rId2" cstate="print">
+            <a:extLst>
+              <a:ext uri="{28A0092B-C50C-407E-A947-70E740481C1C}">
+                <a14:useLocalDpi xmlns="" xmlns:a14="http://schemas.microsoft.com/office/drawing/2010/main" val="0"/>
+              </a:ext>
+            </a:extLst>
+          </a:blip>
+          <a:stretch>
+            <a:fillRect/>
+          </a:stretch>
+        </p:blipFill>
+        <p:spPr>
+          <a:xfrm rot="3023216">
+            <a:off x="7794390" y="4468691"/>
+            <a:ext cx="325794" cy="384806"/>
+          </a:xfrm>
+          <a:prstGeom prst="rect">
+            <a:avLst/>
+          </a:prstGeom>
+        </p:spPr>
+      </p:pic>
       <p:sp>
         <p:nvSpPr>
           <p:cNvPr id="18" name="TextBox 17">
             <a:extLst>
               <a:ext uri="{FF2B5EF4-FFF2-40B4-BE49-F238E27FC236}">
-                <a16:creationId xmlns:a16="http://schemas.microsoft.com/office/drawing/2014/main" xmlns="" id="{7913E2E8-7568-3ECF-D37C-510E3475C25E}"/>
+                <a16:creationId xmlns="" xmlns:a16="http://schemas.microsoft.com/office/drawing/2014/main" id="{7913E2E8-7568-3ECF-D37C-510E3475C25E}"/>
               </a:ext>
             </a:extLst>
           </p:cNvPr>
@@ -3360,7 +3396,7 @@
         </p:nvSpPr>
         <p:spPr>
           <a:xfrm>
-            <a:off x="2900339" y="4067590"/>
+            <a:off x="3182168" y="4002213"/>
             <a:ext cx="4616198" cy="1200329"/>
           </a:xfrm>
           <a:prstGeom prst="rect">
@@ -3400,7 +3436,7 @@
           <p:cNvPr id="38" name="Rectangle 37">
             <a:extLst>
               <a:ext uri="{FF2B5EF4-FFF2-40B4-BE49-F238E27FC236}">
-                <a16:creationId xmlns:a16="http://schemas.microsoft.com/office/drawing/2014/main" xmlns="" id="{FBD8C6FA-3B23-E4FC-EF56-E6FB577B4765}"/>
+                <a16:creationId xmlns="" xmlns:a16="http://schemas.microsoft.com/office/drawing/2014/main" id="{FBD8C6FA-3B23-E4FC-EF56-E6FB577B4765}"/>
               </a:ext>
             </a:extLst>
           </p:cNvPr>
@@ -3409,7 +3445,7 @@
         </p:nvSpPr>
         <p:spPr>
           <a:xfrm>
-            <a:off x="7690381" y="2581713"/>
+            <a:off x="11090073" y="4840359"/>
             <a:ext cx="729842" cy="1608521"/>
           </a:xfrm>
           <a:prstGeom prst="rect">
@@ -3452,7 +3488,7 @@
           <p:cNvPr id="15" name="Picture 14">
             <a:extLst>
               <a:ext uri="{FF2B5EF4-FFF2-40B4-BE49-F238E27FC236}">
-                <a16:creationId xmlns:a16="http://schemas.microsoft.com/office/drawing/2014/main" xmlns="" id="{1D15123B-5028-7AA8-2944-9F2594D34B4A}"/>
+                <a16:creationId xmlns="" xmlns:a16="http://schemas.microsoft.com/office/drawing/2014/main" id="{1D15123B-5028-7AA8-2944-9F2594D34B4A}"/>
               </a:ext>
             </a:extLst>
           </p:cNvPr>
@@ -3462,7 +3498,7 @@
           <p:nvPr/>
         </p:nvPicPr>
         <p:blipFill>
-          <a:blip r:embed="rId2" cstate="print"/>
+          <a:blip r:embed="rId3" cstate="print"/>
           <a:stretch>
             <a:fillRect/>
           </a:stretch>
@@ -3482,7 +3518,7 @@
           <p:cNvPr id="17" name="Picture 16">
             <a:extLst>
               <a:ext uri="{FF2B5EF4-FFF2-40B4-BE49-F238E27FC236}">
-                <a16:creationId xmlns:a16="http://schemas.microsoft.com/office/drawing/2014/main" xmlns="" id="{5ED7D9FB-3513-739A-D49F-30814ADF152E}"/>
+                <a16:creationId xmlns="" xmlns:a16="http://schemas.microsoft.com/office/drawing/2014/main" id="{5ED7D9FB-3513-739A-D49F-30814ADF152E}"/>
               </a:ext>
             </a:extLst>
           </p:cNvPr>
@@ -3492,7 +3528,7 @@
           <p:nvPr/>
         </p:nvPicPr>
         <p:blipFill>
-          <a:blip r:embed="rId2" cstate="print"/>
+          <a:blip r:embed="rId3" cstate="print"/>
           <a:stretch>
             <a:fillRect/>
           </a:stretch>
@@ -3512,7 +3548,7 @@
           <p:cNvPr id="19" name="Picture 18">
             <a:extLst>
               <a:ext uri="{FF2B5EF4-FFF2-40B4-BE49-F238E27FC236}">
-                <a16:creationId xmlns:a16="http://schemas.microsoft.com/office/drawing/2014/main" xmlns="" id="{1C553AB4-AFAD-AC62-489D-A4D3D3FA04E6}"/>
+                <a16:creationId xmlns="" xmlns:a16="http://schemas.microsoft.com/office/drawing/2014/main" id="{1C553AB4-AFAD-AC62-489D-A4D3D3FA04E6}"/>
               </a:ext>
             </a:extLst>
           </p:cNvPr>
@@ -3522,7 +3558,7 @@
           <p:nvPr/>
         </p:nvPicPr>
         <p:blipFill>
-          <a:blip r:embed="rId2" cstate="print"/>
+          <a:blip r:embed="rId3" cstate="print"/>
           <a:stretch>
             <a:fillRect/>
           </a:stretch>
@@ -3542,7 +3578,7 @@
           <p:cNvPr id="21" name="Picture 20">
             <a:extLst>
               <a:ext uri="{FF2B5EF4-FFF2-40B4-BE49-F238E27FC236}">
-                <a16:creationId xmlns:a16="http://schemas.microsoft.com/office/drawing/2014/main" xmlns="" id="{A5DFEEE4-978A-1CD0-1C93-36373A0F86A2}"/>
+                <a16:creationId xmlns="" xmlns:a16="http://schemas.microsoft.com/office/drawing/2014/main" id="{A5DFEEE4-978A-1CD0-1C93-36373A0F86A2}"/>
               </a:ext>
             </a:extLst>
           </p:cNvPr>
@@ -3552,7 +3588,7 @@
           <p:nvPr/>
         </p:nvPicPr>
         <p:blipFill>
-          <a:blip r:embed="rId2" cstate="print"/>
+          <a:blip r:embed="rId3" cstate="print"/>
           <a:stretch>
             <a:fillRect/>
           </a:stretch>
@@ -3572,7 +3608,7 @@
           <p:cNvPr id="12" name="TextBox 11">
             <a:extLst>
               <a:ext uri="{FF2B5EF4-FFF2-40B4-BE49-F238E27FC236}">
-                <a16:creationId xmlns:a16="http://schemas.microsoft.com/office/drawing/2014/main" xmlns="" id="{7D870BC3-2F4C-AA03-ED63-26CF3F6D7960}"/>
+                <a16:creationId xmlns="" xmlns:a16="http://schemas.microsoft.com/office/drawing/2014/main" id="{7D870BC3-2F4C-AA03-ED63-26CF3F6D7960}"/>
               </a:ext>
             </a:extLst>
           </p:cNvPr>
@@ -3612,7 +3648,7 @@
           <p:cNvPr id="16" name="TextBox 15">
             <a:extLst>
               <a:ext uri="{FF2B5EF4-FFF2-40B4-BE49-F238E27FC236}">
-                <a16:creationId xmlns:a16="http://schemas.microsoft.com/office/drawing/2014/main" xmlns="" id="{895B40AD-9803-43B2-8C15-4395324AE138}"/>
+                <a16:creationId xmlns="" xmlns:a16="http://schemas.microsoft.com/office/drawing/2014/main" id="{895B40AD-9803-43B2-8C15-4395324AE138}"/>
               </a:ext>
             </a:extLst>
           </p:cNvPr>
@@ -3652,7 +3688,7 @@
           <p:cNvPr id="20" name="TextBox 19">
             <a:extLst>
               <a:ext uri="{FF2B5EF4-FFF2-40B4-BE49-F238E27FC236}">
-                <a16:creationId xmlns:a16="http://schemas.microsoft.com/office/drawing/2014/main" xmlns="" id="{35D205F7-B28B-F539-B057-3C3CE9783000}"/>
+                <a16:creationId xmlns="" xmlns:a16="http://schemas.microsoft.com/office/drawing/2014/main" id="{35D205F7-B28B-F539-B057-3C3CE9783000}"/>
               </a:ext>
             </a:extLst>
           </p:cNvPr>
@@ -3661,7 +3697,7 @@
         </p:nvSpPr>
         <p:spPr>
           <a:xfrm>
-            <a:off x="3207986" y="5472015"/>
+            <a:off x="3168908" y="5401677"/>
             <a:ext cx="5896947" cy="1200329"/>
           </a:xfrm>
           <a:prstGeom prst="rect">
@@ -3701,7 +3737,7 @@
           <p:cNvPr id="23" name="Picture 22" descr="A green and blue leaf&#10;&#10;Description automatically generated with low confidence">
             <a:extLst>
               <a:ext uri="{FF2B5EF4-FFF2-40B4-BE49-F238E27FC236}">
-                <a16:creationId xmlns:a16="http://schemas.microsoft.com/office/drawing/2014/main" xmlns="" id="{2627F177-8D04-BFE1-7482-1138449BCDFB}"/>
+                <a16:creationId xmlns="" xmlns:a16="http://schemas.microsoft.com/office/drawing/2014/main" id="{2627F177-8D04-BFE1-7482-1138449BCDFB}"/>
               </a:ext>
             </a:extLst>
           </p:cNvPr>
@@ -3711,10 +3747,10 @@
           <p:nvPr/>
         </p:nvPicPr>
         <p:blipFill>
-          <a:blip r:embed="rId3" cstate="print">
+          <a:blip r:embed="rId4" cstate="print">
             <a:extLst>
               <a:ext uri="{28A0092B-C50C-407E-A947-70E740481C1C}">
-                <a14:useLocalDpi xmlns:a14="http://schemas.microsoft.com/office/drawing/2010/main" xmlns="" val="0"/>
+                <a14:useLocalDpi xmlns="" xmlns:a14="http://schemas.microsoft.com/office/drawing/2010/main" val="0"/>
               </a:ext>
             </a:extLst>
           </a:blip>
@@ -3737,7 +3773,7 @@
           <p:cNvPr id="25" name="Picture 24" descr="A green leaf with black background&#10;&#10;Description automatically generated with low confidence">
             <a:extLst>
               <a:ext uri="{FF2B5EF4-FFF2-40B4-BE49-F238E27FC236}">
-                <a16:creationId xmlns:a16="http://schemas.microsoft.com/office/drawing/2014/main" xmlns="" id="{8700B874-DFEA-96E7-BCA8-9EBB87A990FC}"/>
+                <a16:creationId xmlns="" xmlns:a16="http://schemas.microsoft.com/office/drawing/2014/main" id="{8700B874-DFEA-96E7-BCA8-9EBB87A990FC}"/>
               </a:ext>
             </a:extLst>
           </p:cNvPr>
@@ -3747,10 +3783,10 @@
           <p:nvPr/>
         </p:nvPicPr>
         <p:blipFill>
-          <a:blip r:embed="rId4" cstate="print">
+          <a:blip r:embed="rId5" cstate="print">
             <a:extLst>
               <a:ext uri="{28A0092B-C50C-407E-A947-70E740481C1C}">
-                <a14:useLocalDpi xmlns:a14="http://schemas.microsoft.com/office/drawing/2010/main" xmlns="" val="0"/>
+                <a14:useLocalDpi xmlns="" xmlns:a14="http://schemas.microsoft.com/office/drawing/2010/main" val="0"/>
               </a:ext>
             </a:extLst>
           </a:blip>
@@ -3773,7 +3809,7 @@
           <p:cNvPr id="27" name="Picture 26" descr="A picture containing plant, leaf&#10;&#10;Description automatically generated">
             <a:extLst>
               <a:ext uri="{FF2B5EF4-FFF2-40B4-BE49-F238E27FC236}">
-                <a16:creationId xmlns:a16="http://schemas.microsoft.com/office/drawing/2014/main" xmlns="" id="{EA1C33ED-C621-42EE-3A66-9789704BF50E}"/>
+                <a16:creationId xmlns="" xmlns:a16="http://schemas.microsoft.com/office/drawing/2014/main" id="{EA1C33ED-C621-42EE-3A66-9789704BF50E}"/>
               </a:ext>
             </a:extLst>
           </p:cNvPr>
@@ -3783,10 +3819,10 @@
           <p:nvPr/>
         </p:nvPicPr>
         <p:blipFill>
-          <a:blip r:embed="rId5" cstate="print">
+          <a:blip r:embed="rId6" cstate="print">
             <a:extLst>
               <a:ext uri="{28A0092B-C50C-407E-A947-70E740481C1C}">
-                <a14:useLocalDpi xmlns:a14="http://schemas.microsoft.com/office/drawing/2010/main" xmlns="" val="0"/>
+                <a14:useLocalDpi xmlns="" xmlns:a14="http://schemas.microsoft.com/office/drawing/2010/main" val="0"/>
               </a:ext>
             </a:extLst>
           </a:blip>
@@ -3809,7 +3845,7 @@
           <p:cNvPr id="29" name="Picture 28" descr="A picture containing cartoon, design&#10;&#10;Description automatically generated with low confidence">
             <a:extLst>
               <a:ext uri="{FF2B5EF4-FFF2-40B4-BE49-F238E27FC236}">
-                <a16:creationId xmlns:a16="http://schemas.microsoft.com/office/drawing/2014/main" xmlns="" id="{861C6CF8-52AD-FCBD-3961-87606D473C2E}"/>
+                <a16:creationId xmlns="" xmlns:a16="http://schemas.microsoft.com/office/drawing/2014/main" id="{861C6CF8-52AD-FCBD-3961-87606D473C2E}"/>
               </a:ext>
             </a:extLst>
           </p:cNvPr>
@@ -3819,10 +3855,10 @@
           <p:nvPr/>
         </p:nvPicPr>
         <p:blipFill>
-          <a:blip r:embed="rId6" cstate="print">
+          <a:blip r:embed="rId7" cstate="print">
             <a:extLst>
               <a:ext uri="{28A0092B-C50C-407E-A947-70E740481C1C}">
-                <a14:useLocalDpi xmlns:a14="http://schemas.microsoft.com/office/drawing/2010/main" xmlns="" val="0"/>
+                <a14:useLocalDpi xmlns="" xmlns:a14="http://schemas.microsoft.com/office/drawing/2010/main" val="0"/>
               </a:ext>
             </a:extLst>
           </a:blip>
@@ -3845,7 +3881,7 @@
           <p:cNvPr id="31" name="Picture 30" descr="A picture containing green, plant&#10;&#10;Description automatically generated">
             <a:extLst>
               <a:ext uri="{FF2B5EF4-FFF2-40B4-BE49-F238E27FC236}">
-                <a16:creationId xmlns:a16="http://schemas.microsoft.com/office/drawing/2014/main" xmlns="" id="{A6394BDC-645B-4F73-4FE4-754A317C2543}"/>
+                <a16:creationId xmlns="" xmlns:a16="http://schemas.microsoft.com/office/drawing/2014/main" id="{A6394BDC-645B-4F73-4FE4-754A317C2543}"/>
               </a:ext>
             </a:extLst>
           </p:cNvPr>
@@ -3855,10 +3891,10 @@
           <p:nvPr/>
         </p:nvPicPr>
         <p:blipFill>
-          <a:blip r:embed="rId7" cstate="print">
+          <a:blip r:embed="rId8" cstate="print">
             <a:extLst>
               <a:ext uri="{28A0092B-C50C-407E-A947-70E740481C1C}">
-                <a14:useLocalDpi xmlns:a14="http://schemas.microsoft.com/office/drawing/2010/main" xmlns="" val="0"/>
+                <a14:useLocalDpi xmlns="" xmlns:a14="http://schemas.microsoft.com/office/drawing/2010/main" val="0"/>
               </a:ext>
             </a:extLst>
           </a:blip>
@@ -3878,46 +3914,10 @@
       </p:pic>
       <p:pic>
         <p:nvPicPr>
-          <p:cNvPr id="33" name="Picture 32" descr="A green leaf with black background&#10;&#10;Description automatically generated with medium confidence">
-            <a:extLst>
-              <a:ext uri="{FF2B5EF4-FFF2-40B4-BE49-F238E27FC236}">
-                <a16:creationId xmlns:a16="http://schemas.microsoft.com/office/drawing/2014/main" xmlns="" id="{626C168B-120C-A8C9-2F95-E9928484D01A}"/>
-              </a:ext>
-            </a:extLst>
-          </p:cNvPr>
-          <p:cNvPicPr>
-            <a:picLocks noChangeAspect="1"/>
-          </p:cNvPicPr>
-          <p:nvPr/>
-        </p:nvPicPr>
-        <p:blipFill>
-          <a:blip r:embed="rId8" cstate="print">
-            <a:extLst>
-              <a:ext uri="{28A0092B-C50C-407E-A947-70E740481C1C}">
-                <a14:useLocalDpi xmlns:a14="http://schemas.microsoft.com/office/drawing/2010/main" xmlns="" val="0"/>
-              </a:ext>
-            </a:extLst>
-          </a:blip>
-          <a:stretch>
-            <a:fillRect/>
-          </a:stretch>
-        </p:blipFill>
-        <p:spPr>
-          <a:xfrm rot="3238545">
-            <a:off x="7527374" y="4414291"/>
-            <a:ext cx="458098" cy="541074"/>
-          </a:xfrm>
-          <a:prstGeom prst="rect">
-            <a:avLst/>
-          </a:prstGeom>
-        </p:spPr>
-      </p:pic>
-      <p:pic>
-        <p:nvPicPr>
           <p:cNvPr id="35" name="Picture 34" descr="A green leaves on a black background&#10;&#10;Description automatically generated with medium confidence">
             <a:extLst>
               <a:ext uri="{FF2B5EF4-FFF2-40B4-BE49-F238E27FC236}">
-                <a16:creationId xmlns:a16="http://schemas.microsoft.com/office/drawing/2014/main" xmlns="" id="{F0B77A90-0870-65B4-C74A-C2FFCB428E6A}"/>
+                <a16:creationId xmlns="" xmlns:a16="http://schemas.microsoft.com/office/drawing/2014/main" id="{F0B77A90-0870-65B4-C74A-C2FFCB428E6A}"/>
               </a:ext>
             </a:extLst>
           </p:cNvPr>
@@ -3930,7 +3930,7 @@
           <a:blip r:embed="rId9" cstate="print">
             <a:extLst>
               <a:ext uri="{28A0092B-C50C-407E-A947-70E740481C1C}">
-                <a14:useLocalDpi xmlns:a14="http://schemas.microsoft.com/office/drawing/2010/main" xmlns="" val="0"/>
+                <a14:useLocalDpi xmlns="" xmlns:a14="http://schemas.microsoft.com/office/drawing/2010/main" val="0"/>
               </a:ext>
             </a:extLst>
           </a:blip>
@@ -3953,7 +3953,7 @@
           <p:cNvPr id="37" name="Straight Connector 36">
             <a:extLst>
               <a:ext uri="{FF2B5EF4-FFF2-40B4-BE49-F238E27FC236}">
-                <a16:creationId xmlns:a16="http://schemas.microsoft.com/office/drawing/2014/main" xmlns="" id="{AD214C0E-3E39-0E34-D4FD-C5B96AC67386}"/>
+                <a16:creationId xmlns="" xmlns:a16="http://schemas.microsoft.com/office/drawing/2014/main" id="{AD214C0E-3E39-0E34-D4FD-C5B96AC67386}"/>
               </a:ext>
             </a:extLst>
           </p:cNvPr>
@@ -3984,10 +3984,140 @@
           </a:fontRef>
         </p:style>
       </p:cxnSp>
+      <p:pic>
+        <p:nvPicPr>
+          <p:cNvPr id="1026" name="Picture 2" descr="D:\leaves-design.png"/>
+          <p:cNvPicPr>
+            <a:picLocks noChangeAspect="1" noChangeArrowheads="1"/>
+          </p:cNvPicPr>
+          <p:nvPr/>
+        </p:nvPicPr>
+        <p:blipFill>
+          <a:blip r:embed="rId10" cstate="print"/>
+          <a:srcRect/>
+          <a:stretch>
+            <a:fillRect/>
+          </a:stretch>
+        </p:blipFill>
+        <p:spPr bwMode="auto">
+          <a:xfrm>
+            <a:off x="9541852" y="3784549"/>
+            <a:ext cx="669732" cy="669732"/>
+          </a:xfrm>
+          <a:prstGeom prst="rect">
+            <a:avLst/>
+          </a:prstGeom>
+          <a:noFill/>
+        </p:spPr>
+      </p:pic>
+      <p:pic>
+        <p:nvPicPr>
+          <p:cNvPr id="1027" name="Picture 3" descr="D:\nature.png"/>
+          <p:cNvPicPr>
+            <a:picLocks noChangeAspect="1" noChangeArrowheads="1"/>
+          </p:cNvPicPr>
+          <p:nvPr/>
+        </p:nvPicPr>
+        <p:blipFill>
+          <a:blip r:embed="rId11" cstate="print"/>
+          <a:srcRect/>
+          <a:stretch>
+            <a:fillRect/>
+          </a:stretch>
+        </p:blipFill>
+        <p:spPr bwMode="auto">
+          <a:xfrm>
+            <a:off x="8761046" y="2907323"/>
+            <a:ext cx="554771" cy="554771"/>
+          </a:xfrm>
+          <a:prstGeom prst="rect">
+            <a:avLst/>
+          </a:prstGeom>
+          <a:noFill/>
+        </p:spPr>
+      </p:pic>
+      <p:pic>
+        <p:nvPicPr>
+          <p:cNvPr id="1028" name="Picture 4" descr="D:\ink.png"/>
+          <p:cNvPicPr>
+            <a:picLocks noChangeAspect="1" noChangeArrowheads="1"/>
+          </p:cNvPicPr>
+          <p:nvPr/>
+        </p:nvPicPr>
+        <p:blipFill>
+          <a:blip r:embed="rId12" cstate="print"/>
+          <a:srcRect/>
+          <a:stretch>
+            <a:fillRect/>
+          </a:stretch>
+        </p:blipFill>
+        <p:spPr bwMode="auto">
+          <a:xfrm>
+            <a:off x="7870092" y="4376615"/>
+            <a:ext cx="156551" cy="226890"/>
+          </a:xfrm>
+          <a:prstGeom prst="rect">
+            <a:avLst/>
+          </a:prstGeom>
+          <a:noFill/>
+        </p:spPr>
+      </p:pic>
+      <p:pic>
+        <p:nvPicPr>
+          <p:cNvPr id="1029" name="Picture 5" descr="D:\leaf.png"/>
+          <p:cNvPicPr>
+            <a:picLocks noChangeAspect="1" noChangeArrowheads="1"/>
+          </p:cNvPicPr>
+          <p:nvPr/>
+        </p:nvPicPr>
+        <p:blipFill>
+          <a:blip r:embed="rId13" cstate="print"/>
+          <a:srcRect/>
+          <a:stretch>
+            <a:fillRect/>
+          </a:stretch>
+        </p:blipFill>
+        <p:spPr bwMode="auto">
+          <a:xfrm>
+            <a:off x="9081965" y="5165723"/>
+            <a:ext cx="577850" cy="577850"/>
+          </a:xfrm>
+          <a:prstGeom prst="rect">
+            <a:avLst/>
+          </a:prstGeom>
+          <a:noFill/>
+        </p:spPr>
+      </p:pic>
+      <p:pic>
+        <p:nvPicPr>
+          <p:cNvPr id="1030" name="Picture 6" descr="D:\adjust.png"/>
+          <p:cNvPicPr>
+            <a:picLocks noChangeAspect="1" noChangeArrowheads="1"/>
+          </p:cNvPicPr>
+          <p:nvPr/>
+        </p:nvPicPr>
+        <p:blipFill>
+          <a:blip r:embed="rId14" cstate="print"/>
+          <a:srcRect/>
+          <a:stretch>
+            <a:fillRect/>
+          </a:stretch>
+        </p:blipFill>
+        <p:spPr bwMode="auto">
+          <a:xfrm>
+            <a:off x="8886092" y="6181969"/>
+            <a:ext cx="430089" cy="430089"/>
+          </a:xfrm>
+          <a:prstGeom prst="rect">
+            <a:avLst/>
+          </a:prstGeom>
+          <a:noFill/>
+        </p:spPr>
+      </p:pic>
     </p:spTree>
     <p:extLst>
       <p:ext uri="{BB962C8B-B14F-4D97-AF65-F5344CB8AC3E}">
-        <p14:creationId xmlns:p14="http://schemas.microsoft.com/office/powerpoint/2010/main" xmlns="" val="1349903916"/>
+        <p14:creationId xmlns="" xmlns:p14="http://schemas.microsoft.com/office/powerpoint/2010/main" val="1349903916"/>
       </p:ext>
     </p:extLst>
   </p:cSld>
@@ -4375,7 +4505,7 @@
   <a:extraClrSchemeLst/>
   <a:extLst>
     <a:ext uri="{05A4C25C-085E-4340-85A3-A5531E510DB2}">
-      <thm15:themeFamily xmlns:thm15="http://schemas.microsoft.com/office/thememl/2012/main" xmlns="" name="Office Theme" id="{62F939B6-93AF-4DB8-9C6B-D6C7DFDC589F}" vid="{4A3C46E8-61CC-4603-A589-7422A47A8E4A}"/>
+      <thm15:themeFamily xmlns="" xmlns:thm15="http://schemas.microsoft.com/office/thememl/2012/main" name="Office Theme" id="{62F939B6-93AF-4DB8-9C6B-D6C7DFDC589F}" vid="{4A3C46E8-61CC-4603-A589-7422A47A8E4A}"/>
     </a:ext>
   </a:extLst>
 </a:theme>
